--- a/PowerPoint/AZ-305T00A-ENU-Powerpoint_09.pptx
+++ b/PowerPoint/AZ-305T00A-ENU-Powerpoint_09.pptx
@@ -5,10 +5,10 @@
     <p:sldMasterId id="2147484551" r:id="rId1"/>
   </p:sldMasterIdLst>
   <p:notesMasterIdLst>
-    <p:notesMasterId r:id="rId43"/>
+    <p:notesMasterId r:id="rId47"/>
   </p:notesMasterIdLst>
   <p:handoutMasterIdLst>
-    <p:handoutMasterId r:id="rId44"/>
+    <p:handoutMasterId r:id="rId48"/>
   </p:handoutMasterIdLst>
   <p:sldIdLst>
     <p:sldId id="1627" r:id="rId2"/>
@@ -37,21 +37,25 @@
     <p:sldId id="1829" r:id="rId25"/>
     <p:sldId id="1800" r:id="rId26"/>
     <p:sldId id="1838" r:id="rId27"/>
-    <p:sldId id="1835" r:id="rId28"/>
-    <p:sldId id="1839" r:id="rId29"/>
-    <p:sldId id="1836" r:id="rId30"/>
-    <p:sldId id="1837" r:id="rId31"/>
-    <p:sldId id="1834" r:id="rId32"/>
-    <p:sldId id="1840" r:id="rId33"/>
-    <p:sldId id="1841" r:id="rId34"/>
-    <p:sldId id="1846" r:id="rId35"/>
-    <p:sldId id="1850" r:id="rId36"/>
-    <p:sldId id="9154" r:id="rId37"/>
-    <p:sldId id="9155" r:id="rId38"/>
-    <p:sldId id="1845" r:id="rId39"/>
-    <p:sldId id="1786" r:id="rId40"/>
-    <p:sldId id="1848" r:id="rId41"/>
-    <p:sldId id="1849" r:id="rId42"/>
+    <p:sldId id="9157" r:id="rId28"/>
+    <p:sldId id="1835" r:id="rId29"/>
+    <p:sldId id="9158" r:id="rId30"/>
+    <p:sldId id="1839" r:id="rId31"/>
+    <p:sldId id="9159" r:id="rId32"/>
+    <p:sldId id="1836" r:id="rId33"/>
+    <p:sldId id="1837" r:id="rId34"/>
+    <p:sldId id="9160" r:id="rId35"/>
+    <p:sldId id="1834" r:id="rId36"/>
+    <p:sldId id="1840" r:id="rId37"/>
+    <p:sldId id="1841" r:id="rId38"/>
+    <p:sldId id="1846" r:id="rId39"/>
+    <p:sldId id="1850" r:id="rId40"/>
+    <p:sldId id="9154" r:id="rId41"/>
+    <p:sldId id="9155" r:id="rId42"/>
+    <p:sldId id="1845" r:id="rId43"/>
+    <p:sldId id="1786" r:id="rId44"/>
+    <p:sldId id="1848" r:id="rId45"/>
+    <p:sldId id="1849" r:id="rId46"/>
   </p:sldIdLst>
   <p:sldSz cx="12192000" cy="6858000"/>
   <p:notesSz cx="6858000" cy="9144000"/>
@@ -279,7 +283,7 @@
               <a:rPr lang="en-US" smtClean="0">
                 <a:latin typeface="Segoe UI" pitchFamily="34" charset="0"/>
               </a:rPr>
-              <a:t>5/10/2022 1:11 PM</a:t>
+              <a:t>6/26/2022 8:13 PM</a:t>
             </a:fld>
             <a:endParaRPr lang="en-US">
               <a:latin typeface="Segoe UI" pitchFamily="34" charset="0"/>
@@ -557,7 +561,7 @@
           <a:p>
             <a:fld id="{DCE60099-03E7-4FA1-8A7F-E6E6CFB0F855}" type="datetime8">
               <a:rPr lang="en-US" smtClean="0"/>
-              <a:t>5/10/2022 1:11 PM</a:t>
+              <a:t>6/26/2022 8:13 PM</a:t>
             </a:fld>
             <a:endParaRPr lang="en-US"/>
           </a:p>
@@ -2049,7 +2053,7 @@
           <a:p>
             <a:fld id="{C9F26854-F9AE-4E32-B2A5-59EE421C280D}" type="datetime8">
               <a:rPr lang="en-US" smtClean="0"/>
-              <a:t>5/10/2022 1:11 PM</a:t>
+              <a:t>6/26/2022 8:13 PM</a:t>
             </a:fld>
             <a:endParaRPr lang="en-US"/>
           </a:p>
@@ -2141,7 +2145,7 @@
               <a:buNone/>
             </a:pPr>
             <a:r>
-              <a:rPr lang="en-US" sz="1000" spc="-49">
+              <a:rPr lang="en-US" sz="1000" spc="-49" dirty="0">
                 <a:solidFill>
                   <a:srgbClr val="000000"/>
                 </a:solidFill>
@@ -2154,7 +2158,7 @@
             <a:pPr marL="0" lvl="1">
               <a:buSzPct val="90000"/>
             </a:pPr>
-            <a:endParaRPr lang="en-US" sz="1000" spc="-49">
+            <a:endParaRPr lang="en-US" sz="1000" spc="-49" dirty="0">
               <a:solidFill>
                 <a:srgbClr val="000000"/>
               </a:solidFill>
@@ -2166,7 +2170,7 @@
               <a:buSzPct val="90000"/>
             </a:pPr>
             <a:r>
-              <a:rPr lang="en-US" sz="1000" spc="-49">
+              <a:rPr lang="en-US" sz="1000" spc="-49" dirty="0">
                 <a:solidFill>
                   <a:srgbClr val="000000"/>
                 </a:solidFill>
@@ -2186,7 +2190,7 @@
               <a:buSzPct val="90000"/>
             </a:pPr>
             <a:r>
-              <a:rPr lang="en-US" sz="900"/>
+              <a:rPr lang="en-US" sz="900" dirty="0"/>
               <a:t>Subscription</a:t>
             </a:r>
           </a:p>
@@ -2201,7 +2205,7 @@
               <a:buSzPct val="90000"/>
             </a:pPr>
             <a:r>
-              <a:rPr lang="en-US" sz="900"/>
+              <a:rPr lang="en-US" sz="900" dirty="0"/>
               <a:t>Virtual Network</a:t>
             </a:r>
           </a:p>
@@ -2216,7 +2220,7 @@
               <a:buSzPct val="90000"/>
             </a:pPr>
             <a:r>
-              <a:rPr lang="en-US" sz="900"/>
+              <a:rPr lang="en-US" sz="900" dirty="0"/>
               <a:t>Network Security Groups (NSG)</a:t>
             </a:r>
           </a:p>
@@ -2231,7 +2235,7 @@
               <a:buSzPct val="90000"/>
             </a:pPr>
             <a:r>
-              <a:rPr lang="en-US" sz="900"/>
+              <a:rPr lang="en-US" sz="900" dirty="0"/>
               <a:t>Application Security Groups (ASGs)</a:t>
             </a:r>
           </a:p>
@@ -2246,12 +2250,12 @@
               <a:buSzPct val="90000"/>
             </a:pPr>
             <a:r>
-              <a:rPr lang="en-US" sz="900"/>
+              <a:rPr lang="en-US" sz="900" dirty="0"/>
               <a:t>Azure Firewall</a:t>
             </a:r>
           </a:p>
           <a:p>
-            <a:endParaRPr lang="en-US"/>
+            <a:endParaRPr lang="en-US" dirty="0"/>
           </a:p>
         </p:txBody>
       </p:sp>
@@ -4719,7 +4723,7 @@
             <a:fld id="{B4008EB6-D09E-4580-8CD6-DDB14511944F}" type="slidenum">
               <a:rPr lang="en-US" smtClean="0"/>
               <a:pPr/>
-              <a:t>27</a:t>
+              <a:t>28</a:t>
             </a:fld>
             <a:endParaRPr lang="en-US"/>
           </a:p>
@@ -4872,7 +4876,7 @@
           <a:p>
             <a:fld id="{C9F26854-F9AE-4E32-B2A5-59EE421C280D}" type="datetime8">
               <a:rPr lang="en-US" smtClean="0"/>
-              <a:t>5/10/2022 1:11 PM</a:t>
+              <a:t>6/26/2022 8:13 PM</a:t>
             </a:fld>
             <a:endParaRPr lang="en-US"/>
           </a:p>
@@ -4896,7 +4900,7 @@
             <a:fld id="{B4008EB6-D09E-4580-8CD6-DDB14511944F}" type="slidenum">
               <a:rPr lang="en-US" smtClean="0"/>
               <a:pPr/>
-              <a:t>28</a:t>
+              <a:t>30</a:t>
             </a:fld>
             <a:endParaRPr lang="en-US"/>
           </a:p>
@@ -5050,7 +5054,7 @@
             <a:fld id="{B4008EB6-D09E-4580-8CD6-DDB14511944F}" type="slidenum">
               <a:rPr lang="en-US" smtClean="0"/>
               <a:pPr/>
-              <a:t>29</a:t>
+              <a:t>32</a:t>
             </a:fld>
             <a:endParaRPr lang="en-US"/>
           </a:p>
@@ -5609,7 +5613,7 @@
             <a:fld id="{B4008EB6-D09E-4580-8CD6-DDB14511944F}" type="slidenum">
               <a:rPr lang="en-US" smtClean="0"/>
               <a:pPr/>
-              <a:t>30</a:t>
+              <a:t>33</a:t>
             </a:fld>
             <a:endParaRPr lang="en-US"/>
           </a:p>
@@ -5763,7 +5767,7 @@
             <a:fld id="{B4008EB6-D09E-4580-8CD6-DDB14511944F}" type="slidenum">
               <a:rPr lang="en-US" smtClean="0"/>
               <a:pPr/>
-              <a:t>31</a:t>
+              <a:t>35</a:t>
             </a:fld>
             <a:endParaRPr lang="en-US"/>
           </a:p>
@@ -5983,7 +5987,7 @@
             <a:fld id="{B4008EB6-D09E-4580-8CD6-DDB14511944F}" type="slidenum">
               <a:rPr lang="en-US" smtClean="0"/>
               <a:pPr/>
-              <a:t>32</a:t>
+              <a:t>36</a:t>
             </a:fld>
             <a:endParaRPr lang="en-US"/>
           </a:p>
@@ -6169,7 +6173,7 @@
             <a:fld id="{B4008EB6-D09E-4580-8CD6-DDB14511944F}" type="slidenum">
               <a:rPr lang="en-US" smtClean="0"/>
               <a:pPr/>
-              <a:t>33</a:t>
+              <a:t>37</a:t>
             </a:fld>
             <a:endParaRPr lang="en-US"/>
           </a:p>
@@ -6314,7 +6318,7 @@
             <a:fld id="{B4008EB6-D09E-4580-8CD6-DDB14511944F}" type="slidenum">
               <a:rPr lang="en-US" smtClean="0"/>
               <a:pPr/>
-              <a:t>36</a:t>
+              <a:t>40</a:t>
             </a:fld>
             <a:endParaRPr lang="en-US"/>
           </a:p>
@@ -6459,7 +6463,7 @@
             <a:fld id="{B4008EB6-D09E-4580-8CD6-DDB14511944F}" type="slidenum">
               <a:rPr lang="en-US" smtClean="0"/>
               <a:pPr/>
-              <a:t>37</a:t>
+              <a:t>41</a:t>
             </a:fld>
             <a:endParaRPr lang="en-US"/>
           </a:p>
@@ -7048,7 +7052,7 @@
           <a:p>
             <a:fld id="{8507DC7E-BC41-4478-BA30-CBCC3A644F0A}" type="slidenum">
               <a:rPr lang="en-US" smtClean="0"/>
-              <a:t>38</a:t>
+              <a:t>42</a:t>
             </a:fld>
             <a:endParaRPr lang="en-US"/>
           </a:p>
@@ -7205,7 +7209,7 @@
             <a:fld id="{B4008EB6-D09E-4580-8CD6-DDB14511944F}" type="slidenum">
               <a:rPr lang="en-US" smtClean="0"/>
               <a:pPr/>
-              <a:t>40</a:t>
+              <a:t>44</a:t>
             </a:fld>
             <a:endParaRPr lang="en-US"/>
           </a:p>
@@ -7350,7 +7354,7 @@
             <a:fld id="{B4008EB6-D09E-4580-8CD6-DDB14511944F}" type="slidenum">
               <a:rPr lang="en-US" smtClean="0"/>
               <a:pPr/>
-              <a:t>41</a:t>
+              <a:t>45</a:t>
             </a:fld>
             <a:endParaRPr lang="en-US"/>
           </a:p>
@@ -8360,7 +8364,7 @@
           <a:p>
             <a:fld id="{9427A7F7-BB1E-479D-AFAA-B52F4D0C99F2}" type="datetime8">
               <a:rPr lang="en-US" smtClean="0"/>
-              <a:t>5/10/2022 1:11 PM</a:t>
+              <a:t>6/26/2022 8:13 PM</a:t>
             </a:fld>
             <a:endParaRPr lang="en-US" dirty="0"/>
           </a:p>
@@ -17993,7 +17997,7 @@
           <a:p>
             <a:fld id="{114C6796-DAB0-4BBD-BFE4-FDE51017D69F}" type="datetimeFigureOut">
               <a:rPr lang="en-US" smtClean="0"/>
-              <a:t>5/10/2022</a:t>
+              <a:t>6/26/2022</a:t>
             </a:fld>
             <a:endParaRPr lang="en-US"/>
           </a:p>
@@ -24789,7 +24793,7 @@
           <a:lstStyle/>
           <a:p>
             <a:r>
-              <a:rPr lang="en-US"/>
+              <a:rPr lang="en-US" dirty="0"/>
               <a:t>Design network topology   </a:t>
             </a:r>
           </a:p>
@@ -25997,7 +26001,7 @@
           </a:lstStyle>
           <a:p>
             <a:r>
-              <a:rPr lang="en-US" sz="1800">
+              <a:rPr lang="en-US" sz="1800" dirty="0">
                 <a:solidFill>
                   <a:schemeClr val="tx2">
                     <a:lumMod val="50000"/>
@@ -26230,7 +26234,7 @@
               <a:buChar char="•"/>
             </a:pPr>
             <a:r>
-              <a:rPr lang="en-US" sz="1600"/>
+              <a:rPr lang="en-US" sz="1600" dirty="0"/>
               <a:t>User Defined Routes (UDR)</a:t>
             </a:r>
           </a:p>
@@ -26240,7 +26244,7 @@
               <a:buChar char="•"/>
             </a:pPr>
             <a:r>
-              <a:rPr lang="en-US" sz="1600"/>
+              <a:rPr lang="en-US" sz="1600" dirty="0"/>
               <a:t>BGP routes</a:t>
             </a:r>
           </a:p>
@@ -26250,7 +26254,7 @@
               <a:buChar char="•"/>
             </a:pPr>
             <a:r>
-              <a:rPr lang="en-US" sz="1600"/>
+              <a:rPr lang="en-US" sz="1600" dirty="0"/>
               <a:t>System routes</a:t>
             </a:r>
           </a:p>
@@ -26823,7 +26827,7 @@
               <a:buChar char="•"/>
             </a:pPr>
             <a:r>
-              <a:rPr lang="en-US" sz="1800"/>
+              <a:rPr lang="en-US" sz="1800" dirty="0"/>
               <a:t>Traffic type</a:t>
             </a:r>
           </a:p>
@@ -26833,7 +26837,7 @@
               <a:buChar char="•"/>
             </a:pPr>
             <a:r>
-              <a:rPr lang="en-US" sz="1800"/>
+              <a:rPr lang="en-US" sz="1800" dirty="0"/>
               <a:t>Global versus. regional</a:t>
             </a:r>
           </a:p>
@@ -26843,7 +26847,7 @@
               <a:buChar char="•"/>
             </a:pPr>
             <a:r>
-              <a:rPr lang="en-US" sz="1800"/>
+              <a:rPr lang="en-US" sz="1800" dirty="0"/>
               <a:t>Availability </a:t>
             </a:r>
           </a:p>
@@ -26853,7 +26857,7 @@
               <a:buChar char="•"/>
             </a:pPr>
             <a:r>
-              <a:rPr lang="en-US" sz="1800"/>
+              <a:rPr lang="en-US" sz="1800" dirty="0"/>
               <a:t>Cost</a:t>
             </a:r>
           </a:p>
@@ -26863,7 +26867,7 @@
               <a:buChar char="•"/>
             </a:pPr>
             <a:r>
-              <a:rPr lang="en-US" sz="1800"/>
+              <a:rPr lang="en-US" sz="1800" dirty="0"/>
               <a:t>Features and limits</a:t>
             </a:r>
           </a:p>
@@ -26873,7 +26877,7 @@
               <a:buChar char="•"/>
             </a:pPr>
             <a:r>
-              <a:rPr lang="en-US" sz="1800"/>
+              <a:rPr lang="en-US" sz="1800" dirty="0"/>
               <a:t>Treat this flowchart as a starting point</a:t>
             </a:r>
           </a:p>
@@ -27172,7 +27176,7 @@
           </a:lstStyle>
           <a:p>
             <a:r>
-              <a:rPr lang="en-US" sz="2000">
+              <a:rPr lang="en-US" sz="2000" dirty="0">
                 <a:solidFill>
                   <a:schemeClr val="tx2">
                     <a:lumMod val="50000"/>
@@ -27401,7 +27405,7 @@
           <a:lstStyle/>
           <a:p>
             <a:r>
-              <a:rPr lang="en-US"/>
+              <a:rPr lang="en-US" dirty="0"/>
               <a:t>Load Balancer</a:t>
             </a:r>
           </a:p>
@@ -27737,7 +27741,7 @@
               <a:buChar char="•"/>
             </a:pPr>
             <a:r>
-              <a:rPr lang="en-US" sz="2000">
+              <a:rPr lang="en-US" sz="2000" dirty="0">
                 <a:solidFill>
                   <a:schemeClr val="tx1"/>
                 </a:solidFill>
@@ -27752,7 +27756,7 @@
               <a:buChar char="•"/>
             </a:pPr>
             <a:r>
-              <a:rPr lang="en-US" sz="2000">
+              <a:rPr lang="en-US" sz="2000" dirty="0">
                 <a:solidFill>
                   <a:schemeClr val="tx1"/>
                 </a:solidFill>
@@ -27767,7 +27771,7 @@
               <a:buChar char="•"/>
             </a:pPr>
             <a:r>
-              <a:rPr lang="en-US" sz="2000">
+              <a:rPr lang="en-US" sz="2000" dirty="0">
                 <a:solidFill>
                   <a:schemeClr val="tx1"/>
                 </a:solidFill>
@@ -27782,7 +27786,7 @@
               <a:buChar char="•"/>
             </a:pPr>
             <a:r>
-              <a:rPr lang="en-US" sz="2000">
+              <a:rPr lang="en-US" sz="2000" dirty="0">
                 <a:solidFill>
                   <a:schemeClr val="tx1"/>
                 </a:solidFill>
@@ -27797,7 +27801,7 @@
               <a:buChar char="•"/>
             </a:pPr>
             <a:r>
-              <a:rPr lang="en-US" sz="2000">
+              <a:rPr lang="en-US" sz="2000" dirty="0">
                 <a:solidFill>
                   <a:schemeClr val="tx1"/>
                 </a:solidFill>
@@ -27953,7 +27957,7 @@
           <a:lstStyle/>
           <a:p>
             <a:r>
-              <a:rPr lang="en-US" sz="1600"/>
+              <a:rPr lang="en-US" sz="1600" dirty="0"/>
               <a:t>Azure Application Gateway is a web traffic load balancer that enables you to manage traffic to your web applications. It is an Application Delivery Controller (ADC) as a service, offering various layer 7 load-balancing capabilities for your applications. </a:t>
             </a:r>
           </a:p>
@@ -28470,7 +28474,7 @@
           <a:lstStyle/>
           <a:p>
             <a:r>
-              <a:rPr lang="en-US" sz="1800"/>
+              <a:rPr lang="en-US" sz="1800" dirty="0"/>
               <a:t>Azure CDN offers developers a global solution for rapidly delivering high-bandwidth content to users by caching their content at strategically placed physical nodes across the world.</a:t>
             </a:r>
           </a:p>
@@ -28769,7 +28773,7 @@
           </a:lstStyle>
           <a:p>
             <a:r>
-              <a:rPr lang="en-US" sz="2000">
+              <a:rPr lang="en-US" sz="2000" dirty="0">
                 <a:solidFill>
                   <a:schemeClr val="tx2">
                     <a:lumMod val="50000"/>
@@ -28780,7 +28784,7 @@
             </a:r>
           </a:p>
           <a:p>
-            <a:endParaRPr lang="en-US" sz="2000"/>
+            <a:endParaRPr lang="en-US" sz="2000" dirty="0"/>
           </a:p>
           <a:p>
             <a:pPr marL="285750" marR="0" lvl="0" indent="-285750" algn="l" defTabSz="914367" rtl="0" eaLnBrk="1" fontAlgn="auto" latinLnBrk="0" hangingPunct="1">
@@ -28801,7 +28805,7 @@
               <a:defRPr/>
             </a:pPr>
             <a:r>
-              <a:rPr kumimoji="0" lang="en-US" sz="1800" b="0" i="0" u="none" strike="noStrike" kern="1200" cap="none" spc="0" normalizeH="0" baseline="0" noProof="0">
+              <a:rPr kumimoji="0" lang="en-US" sz="1800" b="0" i="0" u="none" strike="noStrike" kern="1200" cap="none" spc="0" normalizeH="0" baseline="0" noProof="0" dirty="0">
                 <a:ln>
                   <a:noFill/>
                 </a:ln>
@@ -28836,7 +28840,7 @@
               <a:tabLst/>
               <a:defRPr/>
             </a:pPr>
-            <a:endParaRPr kumimoji="0" lang="en-US" sz="1800" b="0" i="0" u="none" strike="noStrike" kern="1200" cap="none" spc="0" normalizeH="0" baseline="0" noProof="0">
+            <a:endParaRPr kumimoji="0" lang="en-US" sz="1800" b="0" i="0" u="none" strike="noStrike" kern="1200" cap="none" spc="0" normalizeH="0" baseline="0" noProof="0" dirty="0">
               <a:ln>
                 <a:noFill/>
               </a:ln>
@@ -28870,7 +28874,7 @@
               <a:defRPr/>
             </a:pPr>
             <a:r>
-              <a:rPr kumimoji="0" lang="en-US" sz="1800" b="0" i="0" u="none" strike="noStrike" kern="1200" cap="none" spc="0" normalizeH="0" baseline="0" noProof="0">
+              <a:rPr kumimoji="0" lang="en-US" sz="1800" b="0" i="0" u="none" strike="noStrike" kern="1200" cap="none" spc="0" normalizeH="0" baseline="0" noProof="0" dirty="0">
                 <a:ln>
                   <a:noFill/>
                 </a:ln>
@@ -28905,7 +28909,7 @@
               <a:tabLst/>
               <a:defRPr/>
             </a:pPr>
-            <a:endParaRPr kumimoji="0" lang="en-US" sz="1800" b="0" i="0" u="none" strike="noStrike" kern="1200" cap="none" spc="0" normalizeH="0" baseline="0" noProof="0">
+            <a:endParaRPr kumimoji="0" lang="en-US" sz="1800" b="0" i="0" u="none" strike="noStrike" kern="1200" cap="none" spc="0" normalizeH="0" baseline="0" noProof="0" dirty="0">
               <a:ln>
                 <a:noFill/>
               </a:ln>
@@ -28939,7 +28943,7 @@
               <a:defRPr/>
             </a:pPr>
             <a:r>
-              <a:rPr kumimoji="0" lang="en-US" sz="1800" b="0" i="0" u="none" strike="noStrike" kern="1200" cap="none" spc="0" normalizeH="0" baseline="0" noProof="0">
+              <a:rPr kumimoji="0" lang="en-US" sz="1800" b="0" i="0" u="none" strike="noStrike" kern="1200" cap="none" spc="0" normalizeH="0" baseline="0" noProof="0" dirty="0">
                 <a:ln>
                   <a:noFill/>
                 </a:ln>
@@ -28957,7 +28961,7 @@
             </a:r>
           </a:p>
           <a:p>
-            <a:endParaRPr lang="en-US" sz="2000"/>
+            <a:endParaRPr lang="en-US" sz="2000" dirty="0"/>
           </a:p>
         </p:txBody>
       </p:sp>
@@ -29316,7 +29320,7 @@
           </a:lstStyle>
           <a:p>
             <a:r>
-              <a:rPr lang="en-US" sz="2000">
+              <a:rPr lang="en-US" sz="2000" dirty="0">
                 <a:solidFill>
                   <a:schemeClr val="tx2">
                     <a:lumMod val="50000"/>
@@ -29336,7 +29340,7 @@
               </a:spcAft>
               <a:defRPr/>
             </a:pPr>
-            <a:endParaRPr lang="en-US" sz="1800">
+            <a:endParaRPr lang="en-US" sz="1800" dirty="0">
               <a:solidFill>
                 <a:srgbClr val="000000"/>
               </a:solidFill>
@@ -29356,7 +29360,7 @@
               <a:defRPr/>
             </a:pPr>
             <a:r>
-              <a:rPr lang="en-US" sz="1800">
+              <a:rPr lang="en-US" sz="1800" dirty="0">
                 <a:solidFill>
                   <a:srgbClr val="000000"/>
                 </a:solidFill>
@@ -29378,7 +29382,7 @@
               <a:defRPr/>
             </a:pPr>
             <a:r>
-              <a:rPr lang="en-US" sz="1800">
+              <a:rPr lang="en-US" sz="1800" dirty="0">
                 <a:solidFill>
                   <a:srgbClr val="000000"/>
                 </a:solidFill>
@@ -29400,7 +29404,7 @@
               <a:defRPr/>
             </a:pPr>
             <a:r>
-              <a:rPr lang="en-US" sz="1800">
+              <a:rPr lang="en-US" sz="1800" dirty="0">
                 <a:solidFill>
                   <a:srgbClr val="000000"/>
                 </a:solidFill>
@@ -29422,7 +29426,7 @@
               <a:defRPr/>
             </a:pPr>
             <a:r>
-              <a:rPr lang="en-US" sz="1800">
+              <a:rPr lang="en-US" sz="1800" dirty="0">
                 <a:solidFill>
                   <a:srgbClr val="000000"/>
                 </a:solidFill>
@@ -29444,7 +29448,7 @@
               <a:defRPr/>
             </a:pPr>
             <a:r>
-              <a:rPr lang="en-US" sz="1800">
+              <a:rPr lang="en-US" sz="1800" dirty="0">
                 <a:solidFill>
                   <a:srgbClr val="000000"/>
                 </a:solidFill>
@@ -29671,7 +29675,7 @@
           <a:lstStyle/>
           <a:p>
             <a:r>
-              <a:rPr lang="en-US" sz="1800"/>
+              <a:rPr lang="en-US" sz="1800" dirty="0"/>
               <a:t>Azure Traffic Manager is a DNS-based traffic load balancer that enables you to distribute traffic optimally to services across global Azure regions. Traffic Manager provides a range of traffic-routing methods to distribute traffic such as priority, weighted, performance, geographic, multi-value, or subnet. </a:t>
             </a:r>
           </a:p>
@@ -29970,7 +29974,7 @@
           </a:lstStyle>
           <a:p>
             <a:r>
-              <a:rPr lang="en-US" sz="2000">
+              <a:rPr lang="en-US" sz="2000" dirty="0">
                 <a:solidFill>
                   <a:schemeClr val="tx2">
                     <a:lumMod val="50000"/>
@@ -29992,7 +29996,7 @@
               <a:buChar char="•"/>
             </a:pPr>
             <a:r>
-              <a:rPr lang="en-US" sz="1800">
+              <a:rPr lang="en-US" sz="1800" dirty="0">
                 <a:solidFill>
                   <a:schemeClr val="tx1"/>
                 </a:solidFill>
@@ -30013,7 +30017,7 @@
               <a:buChar char="•"/>
             </a:pPr>
             <a:r>
-              <a:rPr lang="en-US" sz="1800">
+              <a:rPr lang="en-US" sz="1800" dirty="0">
                 <a:solidFill>
                   <a:schemeClr val="tx1"/>
                 </a:solidFill>
@@ -30034,7 +30038,7 @@
               <a:buChar char="•"/>
             </a:pPr>
             <a:r>
-              <a:rPr lang="en-US" sz="1800">
+              <a:rPr lang="en-US" sz="1800" dirty="0">
                 <a:solidFill>
                   <a:schemeClr val="tx1"/>
                 </a:solidFill>
@@ -30055,7 +30059,7 @@
               <a:buChar char="•"/>
             </a:pPr>
             <a:r>
-              <a:rPr lang="en-US" sz="1800">
+              <a:rPr lang="en-US" sz="1800" dirty="0">
                 <a:solidFill>
                   <a:schemeClr val="tx1"/>
                 </a:solidFill>
@@ -30073,7 +30077,7 @@
                 <a:spcPts val="600"/>
               </a:spcAft>
             </a:pPr>
-            <a:endParaRPr lang="en-US" sz="1800">
+            <a:endParaRPr lang="en-US" sz="1800" dirty="0">
               <a:solidFill>
                 <a:schemeClr val="tx1"/>
               </a:solidFill>
@@ -30173,10 +30177,10 @@
           <a:lstStyle/>
           <a:p>
             <a:r>
-              <a:rPr lang="en-US" altLang="zh-CN"/>
+              <a:rPr lang="en-US" altLang="zh-CN" dirty="0"/>
               <a:t>Design for application protection services </a:t>
             </a:r>
-            <a:endParaRPr lang="en-US"/>
+            <a:endParaRPr lang="en-US" dirty="0"/>
           </a:p>
         </p:txBody>
       </p:sp>
@@ -30408,7 +30412,7 @@
           <a:lstStyle/>
           <a:p>
             <a:r>
-              <a:rPr lang="en-US"/>
+              <a:rPr lang="en-US" dirty="0"/>
               <a:t>Service endpoints</a:t>
             </a:r>
           </a:p>
@@ -30441,16 +30445,24 @@
           <a:lstStyle/>
           <a:p>
             <a:r>
-              <a:rPr lang="en-US" sz="1800"/>
+              <a:rPr lang="en-US" sz="1800" dirty="0"/>
               <a:t>Virtual Network (</a:t>
             </a:r>
             <a:r>
-              <a:rPr lang="en-US" sz="1800" err="1"/>
+              <a:rPr lang="en-US" sz="1800" dirty="0" err="1"/>
               <a:t>VNet</a:t>
             </a:r>
             <a:r>
-              <a:rPr lang="en-US" sz="1800"/>
-              <a:t>) service endpoint provides secure and direct connectivity to Azure services over an optimized route over the Azure backbone network</a:t>
+              <a:rPr lang="en-US" sz="1800" dirty="0"/>
+              <a:t>) service endpoint provides secure and direct connectivity to Azure services over an optimized route over the </a:t>
+            </a:r>
+            <a:r>
+              <a:rPr lang="en-US" sz="1800" dirty="0">
+                <a:highlight>
+                  <a:srgbClr val="FFFF00"/>
+                </a:highlight>
+              </a:rPr>
+              <a:t>Azure backbone network</a:t>
             </a:r>
           </a:p>
         </p:txBody>
@@ -30874,6 +30886,69 @@
           <a:chExt cx="0" cy="0"/>
         </a:xfrm>
       </p:grpSpPr>
+      <p:pic>
+        <p:nvPicPr>
+          <p:cNvPr id="5" name="Picture 4">
+            <a:extLst>
+              <a:ext uri="{FF2B5EF4-FFF2-40B4-BE49-F238E27FC236}">
+                <a16:creationId xmlns:a16="http://schemas.microsoft.com/office/drawing/2014/main" id="{C3631AF9-6505-9952-2DF3-2EC5B112A33F}"/>
+              </a:ext>
+            </a:extLst>
+          </p:cNvPr>
+          <p:cNvPicPr>
+            <a:picLocks noChangeAspect="1"/>
+          </p:cNvPicPr>
+          <p:nvPr/>
+        </p:nvPicPr>
+        <p:blipFill>
+          <a:blip r:embed="rId2"/>
+          <a:stretch>
+            <a:fillRect/>
+          </a:stretch>
+        </p:blipFill>
+        <p:spPr>
+          <a:xfrm>
+            <a:off x="1828285" y="0"/>
+            <a:ext cx="8535430" cy="6858000"/>
+          </a:xfrm>
+          <a:prstGeom prst="rect">
+            <a:avLst/>
+          </a:prstGeom>
+        </p:spPr>
+      </p:pic>
+    </p:spTree>
+    <p:extLst>
+      <p:ext uri="{BB962C8B-B14F-4D97-AF65-F5344CB8AC3E}">
+        <p14:creationId xmlns:p14="http://schemas.microsoft.com/office/powerpoint/2010/main" val="3296610331"/>
+      </p:ext>
+    </p:extLst>
+  </p:cSld>
+  <p:clrMapOvr>
+    <a:masterClrMapping/>
+  </p:clrMapOvr>
+  <p:transition>
+    <p:fade/>
+  </p:transition>
+</p:sld>
+</file>
+
+<file path=ppt/slides/slide28.xml><?xml version="1.0" encoding="utf-8"?>
+<p:sld xmlns:a="http://schemas.openxmlformats.org/drawingml/2006/main" xmlns:r="http://schemas.openxmlformats.org/officeDocument/2006/relationships" xmlns:p="http://schemas.openxmlformats.org/presentationml/2006/main">
+  <p:cSld>
+    <p:spTree>
+      <p:nvGrpSpPr>
+        <p:cNvPr id="1" name=""/>
+        <p:cNvGrpSpPr/>
+        <p:nvPr/>
+      </p:nvGrpSpPr>
+      <p:grpSpPr>
+        <a:xfrm>
+          <a:off x="0" y="0"/>
+          <a:ext cx="0" cy="0"/>
+          <a:chOff x="0" y="0"/>
+          <a:chExt cx="0" cy="0"/>
+        </a:xfrm>
+      </p:grpSpPr>
       <p:sp>
         <p:nvSpPr>
           <p:cNvPr id="2" name="Title 1">
@@ -30896,7 +30971,7 @@
           <a:lstStyle/>
           <a:p>
             <a:r>
-              <a:rPr lang="en-US"/>
+              <a:rPr lang="en-US" dirty="0"/>
               <a:t>Azure Private Link</a:t>
             </a:r>
           </a:p>
@@ -31410,7 +31485,490 @@
 </p:sld>
 </file>
 
-<file path=ppt/slides/slide28.xml><?xml version="1.0" encoding="utf-8"?>
+<file path=ppt/slides/slide29.xml><?xml version="1.0" encoding="utf-8"?>
+<p:sld xmlns:a="http://schemas.openxmlformats.org/drawingml/2006/main" xmlns:r="http://schemas.openxmlformats.org/officeDocument/2006/relationships" xmlns:p="http://schemas.openxmlformats.org/presentationml/2006/main">
+  <p:cSld>
+    <p:spTree>
+      <p:nvGrpSpPr>
+        <p:cNvPr id="1" name=""/>
+        <p:cNvGrpSpPr/>
+        <p:nvPr/>
+      </p:nvGrpSpPr>
+      <p:grpSpPr>
+        <a:xfrm>
+          <a:off x="0" y="0"/>
+          <a:ext cx="0" cy="0"/>
+          <a:chOff x="0" y="0"/>
+          <a:chExt cx="0" cy="0"/>
+        </a:xfrm>
+      </p:grpSpPr>
+      <p:pic>
+        <p:nvPicPr>
+          <p:cNvPr id="9" name="Picture 8">
+            <a:extLst>
+              <a:ext uri="{FF2B5EF4-FFF2-40B4-BE49-F238E27FC236}">
+                <a16:creationId xmlns:a16="http://schemas.microsoft.com/office/drawing/2014/main" id="{589E6FD9-2A30-D88F-E945-2CCE7B83DFD0}"/>
+              </a:ext>
+            </a:extLst>
+          </p:cNvPr>
+          <p:cNvPicPr>
+            <a:picLocks noChangeAspect="1"/>
+          </p:cNvPicPr>
+          <p:nvPr/>
+        </p:nvPicPr>
+        <p:blipFill>
+          <a:blip r:embed="rId2"/>
+          <a:stretch>
+            <a:fillRect/>
+          </a:stretch>
+        </p:blipFill>
+        <p:spPr>
+          <a:xfrm>
+            <a:off x="464279" y="559529"/>
+            <a:ext cx="6912705" cy="2990373"/>
+          </a:xfrm>
+          <a:prstGeom prst="rect">
+            <a:avLst/>
+          </a:prstGeom>
+        </p:spPr>
+      </p:pic>
+      <p:pic>
+        <p:nvPicPr>
+          <p:cNvPr id="7" name="Picture 6">
+            <a:extLst>
+              <a:ext uri="{FF2B5EF4-FFF2-40B4-BE49-F238E27FC236}">
+                <a16:creationId xmlns:a16="http://schemas.microsoft.com/office/drawing/2014/main" id="{870DBB71-F7F7-E7AC-E0A7-A9CFB5A3D92F}"/>
+              </a:ext>
+            </a:extLst>
+          </p:cNvPr>
+          <p:cNvPicPr>
+            <a:picLocks noChangeAspect="1"/>
+          </p:cNvPicPr>
+          <p:nvPr/>
+        </p:nvPicPr>
+        <p:blipFill>
+          <a:blip r:embed="rId3"/>
+          <a:stretch>
+            <a:fillRect/>
+          </a:stretch>
+        </p:blipFill>
+        <p:spPr>
+          <a:xfrm>
+            <a:off x="6582078" y="1779373"/>
+            <a:ext cx="4983846" cy="4524646"/>
+          </a:xfrm>
+          <a:prstGeom prst="rect">
+            <a:avLst/>
+          </a:prstGeom>
+        </p:spPr>
+      </p:pic>
+    </p:spTree>
+    <p:extLst>
+      <p:ext uri="{BB962C8B-B14F-4D97-AF65-F5344CB8AC3E}">
+        <p14:creationId xmlns:p14="http://schemas.microsoft.com/office/powerpoint/2010/main" val="10689514"/>
+      </p:ext>
+    </p:extLst>
+  </p:cSld>
+  <p:clrMapOvr>
+    <a:masterClrMapping/>
+  </p:clrMapOvr>
+  <p:transition>
+    <p:fade/>
+  </p:transition>
+</p:sld>
+</file>
+
+<file path=ppt/slides/slide3.xml><?xml version="1.0" encoding="utf-8"?>
+<p:sld xmlns:a="http://schemas.openxmlformats.org/drawingml/2006/main" xmlns:r="http://schemas.openxmlformats.org/officeDocument/2006/relationships" xmlns:p="http://schemas.openxmlformats.org/presentationml/2006/main">
+  <p:cSld>
+    <p:spTree>
+      <p:nvGrpSpPr>
+        <p:cNvPr id="1" name=""/>
+        <p:cNvGrpSpPr/>
+        <p:nvPr/>
+      </p:nvGrpSpPr>
+      <p:grpSpPr>
+        <a:xfrm>
+          <a:off x="0" y="0"/>
+          <a:ext cx="0" cy="0"/>
+          <a:chOff x="0" y="0"/>
+          <a:chExt cx="0" cy="0"/>
+        </a:xfrm>
+      </p:grpSpPr>
+      <p:sp>
+        <p:nvSpPr>
+          <p:cNvPr id="14" name="Title 13">
+            <a:extLst>
+              <a:ext uri="{FF2B5EF4-FFF2-40B4-BE49-F238E27FC236}">
+                <a16:creationId xmlns:a16="http://schemas.microsoft.com/office/drawing/2014/main" id="{E307D465-5D56-0B41-96C4-901FFC2422DF}"/>
+              </a:ext>
+            </a:extLst>
+          </p:cNvPr>
+          <p:cNvSpPr>
+            <a:spLocks noGrp="1"/>
+          </p:cNvSpPr>
+          <p:nvPr>
+            <p:ph type="title"/>
+          </p:nvPr>
+        </p:nvSpPr>
+        <p:spPr/>
+        <p:txBody>
+          <a:bodyPr/>
+          <a:lstStyle/>
+          <a:p>
+            <a:r>
+              <a:rPr lang="en-US"/>
+              <a:t>Introduction </a:t>
+            </a:r>
+          </a:p>
+        </p:txBody>
+      </p:sp>
+      <p:sp>
+        <p:nvSpPr>
+          <p:cNvPr id="3" name="Content Placeholder 2">
+            <a:extLst>
+              <a:ext uri="{FF2B5EF4-FFF2-40B4-BE49-F238E27FC236}">
+                <a16:creationId xmlns:a16="http://schemas.microsoft.com/office/drawing/2014/main" id="{AA185E1C-174B-427E-8173-3D6B22758871}"/>
+              </a:ext>
+            </a:extLst>
+          </p:cNvPr>
+          <p:cNvSpPr>
+            <a:spLocks noGrp="1"/>
+          </p:cNvSpPr>
+          <p:nvPr>
+            <p:ph sz="quarter" idx="10"/>
+          </p:nvPr>
+        </p:nvSpPr>
+        <p:spPr>
+          <a:xfrm>
+            <a:off x="419100" y="1456897"/>
+            <a:ext cx="6079671" cy="3724096"/>
+          </a:xfrm>
+        </p:spPr>
+        <p:txBody>
+          <a:bodyPr/>
+          <a:lstStyle/>
+          <a:p>
+            <a:pPr marL="342900" lvl="1" indent="-342900">
+              <a:buFont typeface="Arial" panose="020B0604020202020204" pitchFamily="34" charset="0"/>
+              <a:buChar char="•"/>
+            </a:pPr>
+            <a:r>
+              <a:rPr lang="en-US"/>
+              <a:t>Recommend a network architecture solution based on workload requirements </a:t>
+            </a:r>
+          </a:p>
+          <a:p>
+            <a:pPr marL="342900" lvl="1" indent="-342900">
+              <a:buFont typeface="Arial" panose="020B0604020202020204" pitchFamily="34" charset="0"/>
+              <a:buChar char="•"/>
+            </a:pPr>
+            <a:r>
+              <a:rPr lang="en-US"/>
+              <a:t>Design for on-premises connectivity to Azure virtual networks </a:t>
+            </a:r>
+          </a:p>
+          <a:p>
+            <a:pPr marL="342900" lvl="1" indent="-342900">
+              <a:buFont typeface="Arial" panose="020B0604020202020204" pitchFamily="34" charset="0"/>
+              <a:buChar char="•"/>
+            </a:pPr>
+            <a:r>
+              <a:rPr lang="en-US"/>
+              <a:t>Design for Azure network connectivity services</a:t>
+            </a:r>
+          </a:p>
+          <a:p>
+            <a:pPr marL="342900" lvl="1" indent="-342900">
+              <a:buFont typeface="Arial" panose="020B0604020202020204" pitchFamily="34" charset="0"/>
+              <a:buChar char="•"/>
+            </a:pPr>
+            <a:r>
+              <a:rPr lang="en-US"/>
+              <a:t>Design for application delivery services </a:t>
+            </a:r>
+          </a:p>
+          <a:p>
+            <a:pPr marL="342900" lvl="1" indent="-342900">
+              <a:buFont typeface="Arial" panose="020B0604020202020204" pitchFamily="34" charset="0"/>
+              <a:buChar char="•"/>
+            </a:pPr>
+            <a:r>
+              <a:rPr lang="en-US"/>
+              <a:t>Design for application protection services </a:t>
+            </a:r>
+          </a:p>
+          <a:p>
+            <a:pPr marL="342900" lvl="1" indent="-342900">
+              <a:buFont typeface="Arial" panose="020B0604020202020204" pitchFamily="34" charset="0"/>
+              <a:buChar char="•"/>
+            </a:pPr>
+            <a:endParaRPr lang="en-US"/>
+          </a:p>
+          <a:p>
+            <a:pPr marL="342900" lvl="1" indent="-342900">
+              <a:buFont typeface="Arial" panose="020B0604020202020204" pitchFamily="34" charset="0"/>
+              <a:buChar char="•"/>
+            </a:pPr>
+            <a:endParaRPr lang="en-US"/>
+          </a:p>
+        </p:txBody>
+      </p:sp>
+      <p:sp>
+        <p:nvSpPr>
+          <p:cNvPr id="2" name="TextBox 1">
+            <a:extLst>
+              <a:ext uri="{FF2B5EF4-FFF2-40B4-BE49-F238E27FC236}">
+                <a16:creationId xmlns:a16="http://schemas.microsoft.com/office/drawing/2014/main" id="{4FB27062-3942-49D6-BD3F-11FCDBEADE2C}"/>
+              </a:ext>
+            </a:extLst>
+          </p:cNvPr>
+          <p:cNvSpPr txBox="1"/>
+          <p:nvPr/>
+        </p:nvSpPr>
+        <p:spPr>
+          <a:xfrm>
+            <a:off x="6498771" y="1183809"/>
+            <a:ext cx="5463682" cy="5147948"/>
+          </a:xfrm>
+          <a:prstGeom prst="rect">
+            <a:avLst/>
+          </a:prstGeom>
+          <a:solidFill>
+            <a:schemeClr val="bg1">
+              <a:lumMod val="95000"/>
+            </a:schemeClr>
+          </a:solidFill>
+        </p:spPr>
+        <p:txBody>
+          <a:bodyPr wrap="square" lIns="182880" tIns="146304" rIns="182880" bIns="146304" rtlCol="0">
+            <a:spAutoFit/>
+          </a:bodyPr>
+          <a:lstStyle/>
+          <a:p>
+            <a:pPr>
+              <a:lnSpc>
+                <a:spcPct val="90000"/>
+              </a:lnSpc>
+              <a:spcAft>
+                <a:spcPts val="600"/>
+              </a:spcAft>
+            </a:pPr>
+            <a:r>
+              <a:rPr lang="en-US" sz="1800">
+                <a:solidFill>
+                  <a:schemeClr val="tx2">
+                    <a:lumMod val="50000"/>
+                  </a:schemeClr>
+                </a:solidFill>
+                <a:effectLst/>
+                <a:ea typeface="Times New Roman" panose="02020603050405020304" pitchFamily="18" charset="0"/>
+                <a:cs typeface="Times New Roman" panose="02020603050405020304" pitchFamily="18" charset="0"/>
+              </a:rPr>
+              <a:t>AZ-305: Design Infrastructure Solutions (25-30%)</a:t>
+            </a:r>
+          </a:p>
+          <a:p>
+            <a:pPr marL="0" marR="0">
+              <a:lnSpc>
+                <a:spcPct val="107000"/>
+              </a:lnSpc>
+              <a:spcBef>
+                <a:spcPts val="0"/>
+              </a:spcBef>
+              <a:spcAft>
+                <a:spcPts val="800"/>
+              </a:spcAft>
+            </a:pPr>
+            <a:r>
+              <a:rPr lang="en-US" sz="1800">
+                <a:solidFill>
+                  <a:schemeClr val="tx2">
+                    <a:lumMod val="50000"/>
+                  </a:schemeClr>
+                </a:solidFill>
+                <a:effectLst/>
+                <a:ea typeface="Times New Roman" panose="02020603050405020304" pitchFamily="18" charset="0"/>
+                <a:cs typeface="Times New Roman" panose="02020603050405020304" pitchFamily="18" charset="0"/>
+              </a:rPr>
+              <a:t>Design network solutions</a:t>
+            </a:r>
+          </a:p>
+          <a:p>
+            <a:pPr marL="342900" marR="0" lvl="0" indent="-342900">
+              <a:lnSpc>
+                <a:spcPct val="107000"/>
+              </a:lnSpc>
+              <a:spcBef>
+                <a:spcPts val="0"/>
+              </a:spcBef>
+              <a:spcAft>
+                <a:spcPts val="0"/>
+              </a:spcAft>
+              <a:buFont typeface="Symbol" panose="05050102010706020507" pitchFamily="18" charset="2"/>
+              <a:buChar char=""/>
+            </a:pPr>
+            <a:r>
+              <a:rPr lang="en-US" sz="1800">
+                <a:effectLst/>
+                <a:ea typeface="Calibri" panose="020F0502020204030204" pitchFamily="34" charset="0"/>
+                <a:cs typeface="Times New Roman" panose="02020603050405020304" pitchFamily="18" charset="0"/>
+              </a:rPr>
+              <a:t>Recommend a network architecture solution based on workload requirements</a:t>
+            </a:r>
+          </a:p>
+          <a:p>
+            <a:pPr marL="342900" marR="0" lvl="0" indent="-342900">
+              <a:lnSpc>
+                <a:spcPct val="107000"/>
+              </a:lnSpc>
+              <a:spcBef>
+                <a:spcPts val="0"/>
+              </a:spcBef>
+              <a:spcAft>
+                <a:spcPts val="0"/>
+              </a:spcAft>
+              <a:buFont typeface="Symbol" panose="05050102010706020507" pitchFamily="18" charset="2"/>
+              <a:buChar char=""/>
+            </a:pPr>
+            <a:r>
+              <a:rPr lang="en-US" sz="1800">
+                <a:effectLst/>
+                <a:ea typeface="Calibri" panose="020F0502020204030204" pitchFamily="34" charset="0"/>
+                <a:cs typeface="Times New Roman" panose="02020603050405020304" pitchFamily="18" charset="0"/>
+              </a:rPr>
+              <a:t>Recommend a connectivity solution that connects Azure resources to the Internet</a:t>
+            </a:r>
+          </a:p>
+          <a:p>
+            <a:pPr marL="342900" marR="0" lvl="0" indent="-342900">
+              <a:lnSpc>
+                <a:spcPct val="107000"/>
+              </a:lnSpc>
+              <a:spcBef>
+                <a:spcPts val="0"/>
+              </a:spcBef>
+              <a:spcAft>
+                <a:spcPts val="0"/>
+              </a:spcAft>
+              <a:buFont typeface="Symbol" panose="05050102010706020507" pitchFamily="18" charset="2"/>
+              <a:buChar char=""/>
+            </a:pPr>
+            <a:r>
+              <a:rPr lang="en-US" sz="1800">
+                <a:effectLst/>
+                <a:ea typeface="Calibri" panose="020F0502020204030204" pitchFamily="34" charset="0"/>
+                <a:cs typeface="Times New Roman" panose="02020603050405020304" pitchFamily="18" charset="0"/>
+              </a:rPr>
+              <a:t>Recommend a connectivity solution that connects Azure resources to on-premises networks</a:t>
+            </a:r>
+          </a:p>
+          <a:p>
+            <a:pPr marL="342900" marR="0" lvl="0" indent="-342900">
+              <a:lnSpc>
+                <a:spcPct val="107000"/>
+              </a:lnSpc>
+              <a:spcBef>
+                <a:spcPts val="0"/>
+              </a:spcBef>
+              <a:spcAft>
+                <a:spcPts val="0"/>
+              </a:spcAft>
+              <a:buFont typeface="Symbol" panose="05050102010706020507" pitchFamily="18" charset="2"/>
+              <a:buChar char=""/>
+            </a:pPr>
+            <a:r>
+              <a:rPr lang="en-US" sz="1800">
+                <a:effectLst/>
+                <a:ea typeface="Calibri" panose="020F0502020204030204" pitchFamily="34" charset="0"/>
+                <a:cs typeface="Times New Roman" panose="02020603050405020304" pitchFamily="18" charset="0"/>
+              </a:rPr>
+              <a:t>Optimize network performance for applications</a:t>
+            </a:r>
+          </a:p>
+          <a:p>
+            <a:pPr marL="342900" marR="0" lvl="0" indent="-342900">
+              <a:lnSpc>
+                <a:spcPct val="107000"/>
+              </a:lnSpc>
+              <a:spcBef>
+                <a:spcPts val="0"/>
+              </a:spcBef>
+              <a:spcAft>
+                <a:spcPts val="0"/>
+              </a:spcAft>
+              <a:buFont typeface="Symbol" panose="05050102010706020507" pitchFamily="18" charset="2"/>
+              <a:buChar char=""/>
+            </a:pPr>
+            <a:r>
+              <a:rPr lang="en-US" sz="1800">
+                <a:effectLst/>
+                <a:ea typeface="Calibri" panose="020F0502020204030204" pitchFamily="34" charset="0"/>
+                <a:cs typeface="Times New Roman" panose="02020603050405020304" pitchFamily="18" charset="0"/>
+              </a:rPr>
+              <a:t>Recommend a solution to optimize network security</a:t>
+            </a:r>
+          </a:p>
+          <a:p>
+            <a:pPr marL="342900" marR="0" lvl="0" indent="-342900">
+              <a:lnSpc>
+                <a:spcPct val="107000"/>
+              </a:lnSpc>
+              <a:spcBef>
+                <a:spcPts val="0"/>
+              </a:spcBef>
+              <a:spcAft>
+                <a:spcPts val="0"/>
+              </a:spcAft>
+              <a:buFont typeface="Symbol" panose="05050102010706020507" pitchFamily="18" charset="2"/>
+              <a:buChar char=""/>
+            </a:pPr>
+            <a:r>
+              <a:rPr lang="en-US" sz="1800">
+                <a:effectLst/>
+                <a:ea typeface="Calibri" panose="020F0502020204030204" pitchFamily="34" charset="0"/>
+                <a:cs typeface="Times New Roman" panose="02020603050405020304" pitchFamily="18" charset="0"/>
+              </a:rPr>
+              <a:t>Recommend a load balancing and routing solution</a:t>
+            </a:r>
+          </a:p>
+          <a:p>
+            <a:pPr marR="0" lvl="0">
+              <a:lnSpc>
+                <a:spcPct val="107000"/>
+              </a:lnSpc>
+              <a:spcBef>
+                <a:spcPts val="0"/>
+              </a:spcBef>
+              <a:spcAft>
+                <a:spcPts val="0"/>
+              </a:spcAft>
+            </a:pPr>
+            <a:endParaRPr lang="en-US" sz="1800">
+              <a:effectLst/>
+              <a:ea typeface="Calibri" panose="020F0502020204030204" pitchFamily="34" charset="0"/>
+              <a:cs typeface="Times New Roman" panose="02020603050405020304" pitchFamily="18" charset="0"/>
+            </a:endParaRPr>
+          </a:p>
+        </p:txBody>
+      </p:sp>
+    </p:spTree>
+    <p:extLst>
+      <p:ext uri="{BB962C8B-B14F-4D97-AF65-F5344CB8AC3E}">
+        <p14:creationId xmlns:p14="http://schemas.microsoft.com/office/powerpoint/2010/main" val="3694744832"/>
+      </p:ext>
+    </p:extLst>
+  </p:cSld>
+  <p:clrMapOvr>
+    <a:masterClrMapping/>
+  </p:clrMapOvr>
+  <p:transition>
+    <p:fade/>
+  </p:transition>
+</p:sld>
+</file>
+
+<file path=ppt/slides/slide30.xml><?xml version="1.0" encoding="utf-8"?>
 <p:sld xmlns:a="http://schemas.openxmlformats.org/drawingml/2006/main" xmlns:r="http://schemas.openxmlformats.org/officeDocument/2006/relationships" xmlns:p="http://schemas.openxmlformats.org/presentationml/2006/main">
   <p:cSld>
     <p:spTree>
@@ -32104,7 +32662,70 @@
 </p:sld>
 </file>
 
-<file path=ppt/slides/slide29.xml><?xml version="1.0" encoding="utf-8"?>
+<file path=ppt/slides/slide31.xml><?xml version="1.0" encoding="utf-8"?>
+<p:sld xmlns:a="http://schemas.openxmlformats.org/drawingml/2006/main" xmlns:r="http://schemas.openxmlformats.org/officeDocument/2006/relationships" xmlns:p="http://schemas.openxmlformats.org/presentationml/2006/main">
+  <p:cSld>
+    <p:spTree>
+      <p:nvGrpSpPr>
+        <p:cNvPr id="1" name=""/>
+        <p:cNvGrpSpPr/>
+        <p:nvPr/>
+      </p:nvGrpSpPr>
+      <p:grpSpPr>
+        <a:xfrm>
+          <a:off x="0" y="0"/>
+          <a:ext cx="0" cy="0"/>
+          <a:chOff x="0" y="0"/>
+          <a:chExt cx="0" cy="0"/>
+        </a:xfrm>
+      </p:grpSpPr>
+      <p:pic>
+        <p:nvPicPr>
+          <p:cNvPr id="6" name="Picture 5">
+            <a:extLst>
+              <a:ext uri="{FF2B5EF4-FFF2-40B4-BE49-F238E27FC236}">
+                <a16:creationId xmlns:a16="http://schemas.microsoft.com/office/drawing/2014/main" id="{E8180D87-14A7-505D-DC45-5ADB31D3DFC9}"/>
+              </a:ext>
+            </a:extLst>
+          </p:cNvPr>
+          <p:cNvPicPr>
+            <a:picLocks noChangeAspect="1"/>
+          </p:cNvPicPr>
+          <p:nvPr/>
+        </p:nvPicPr>
+        <p:blipFill>
+          <a:blip r:embed="rId2"/>
+          <a:stretch>
+            <a:fillRect/>
+          </a:stretch>
+        </p:blipFill>
+        <p:spPr>
+          <a:xfrm>
+            <a:off x="1828800" y="762000"/>
+            <a:ext cx="8534400" cy="5334000"/>
+          </a:xfrm>
+          <a:prstGeom prst="rect">
+            <a:avLst/>
+          </a:prstGeom>
+        </p:spPr>
+      </p:pic>
+    </p:spTree>
+    <p:extLst>
+      <p:ext uri="{BB962C8B-B14F-4D97-AF65-F5344CB8AC3E}">
+        <p14:creationId xmlns:p14="http://schemas.microsoft.com/office/powerpoint/2010/main" val="2502080314"/>
+      </p:ext>
+    </p:extLst>
+  </p:cSld>
+  <p:clrMapOvr>
+    <a:masterClrMapping/>
+  </p:clrMapOvr>
+  <p:transition>
+    <p:fade/>
+  </p:transition>
+</p:sld>
+</file>
+
+<file path=ppt/slides/slide32.xml><?xml version="1.0" encoding="utf-8"?>
 <p:sld xmlns:a="http://schemas.openxmlformats.org/drawingml/2006/main" xmlns:r="http://schemas.openxmlformats.org/officeDocument/2006/relationships" xmlns:p="http://schemas.openxmlformats.org/presentationml/2006/main">
   <p:cSld>
     <p:spTree>
@@ -32290,8 +32911,8 @@
         </p:nvSpPr>
         <p:spPr>
           <a:xfrm>
-            <a:off x="522759" y="2926503"/>
-            <a:ext cx="5579964" cy="2939266"/>
+            <a:off x="509313" y="2333804"/>
+            <a:ext cx="5579964" cy="4201150"/>
           </a:xfrm>
           <a:prstGeom prst="rect">
             <a:avLst/>
@@ -32491,7 +33112,7 @@
           </a:lstStyle>
           <a:p>
             <a:r>
-              <a:rPr lang="en-US" sz="2000">
+              <a:rPr lang="en-US" sz="2000" dirty="0">
                 <a:solidFill>
                   <a:schemeClr val="tx2">
                     <a:lumMod val="50000"/>
@@ -32502,7 +33123,7 @@
             </a:r>
           </a:p>
           <a:p>
-            <a:endParaRPr lang="en-US" sz="2000">
+            <a:endParaRPr lang="en-US" sz="2000" dirty="0">
               <a:solidFill>
                 <a:schemeClr val="tx2">
                   <a:lumMod val="50000"/>
@@ -32522,7 +33143,7 @@
               <a:buChar char="•"/>
             </a:pPr>
             <a:r>
-              <a:rPr lang="en-US" sz="1800">
+              <a:rPr lang="en-US" sz="1800" dirty="0">
                 <a:solidFill>
                   <a:schemeClr val="tx1"/>
                 </a:solidFill>
@@ -32543,7 +33164,7 @@
               <a:buChar char="•"/>
             </a:pPr>
             <a:r>
-              <a:rPr lang="en-US" sz="1800">
+              <a:rPr lang="en-US" sz="1800" dirty="0">
                 <a:solidFill>
                   <a:schemeClr val="tx1"/>
                 </a:solidFill>
@@ -32564,7 +33185,7 @@
               <a:buChar char="•"/>
             </a:pPr>
             <a:r>
-              <a:rPr lang="en-US" sz="1800">
+              <a:rPr lang="en-US" sz="1800" dirty="0">
                 <a:solidFill>
                   <a:schemeClr val="tx1"/>
                 </a:solidFill>
@@ -32585,7 +33206,7 @@
               <a:buChar char="•"/>
             </a:pPr>
             <a:r>
-              <a:rPr lang="en-US" sz="1800">
+              <a:rPr lang="en-US" sz="1800" dirty="0">
                 <a:solidFill>
                   <a:schemeClr val="tx1"/>
                 </a:solidFill>
@@ -32606,13 +33227,37 @@
               <a:buChar char="•"/>
             </a:pPr>
             <a:r>
-              <a:rPr lang="en-US" sz="1800">
+              <a:rPr lang="en-US" sz="1800" dirty="0">
                 <a:solidFill>
                   <a:schemeClr val="tx1"/>
                 </a:solidFill>
                 <a:latin typeface="+mn-lt"/>
               </a:rPr>
               <a:t>If you require multiple firewalls.</a:t>
+            </a:r>
+          </a:p>
+          <a:p>
+            <a:pPr marL="285750" indent="-285750">
+              <a:spcBef>
+                <a:spcPts val="0"/>
+              </a:spcBef>
+              <a:spcAft>
+                <a:spcPts val="600"/>
+              </a:spcAft>
+              <a:buFont typeface="Arial" panose="020B0604020202020204" pitchFamily="34" charset="0"/>
+              <a:buChar char="•"/>
+            </a:pPr>
+            <a:r>
+              <a:rPr lang="en-US" sz="1800" dirty="0">
+                <a:solidFill>
+                  <a:schemeClr val="tx1"/>
+                </a:solidFill>
+                <a:highlight>
+                  <a:srgbClr val="FFFF00"/>
+                </a:highlight>
+                <a:latin typeface="+mn-lt"/>
+              </a:rPr>
+              <a:t>Premium Feature</a:t>
             </a:r>
           </a:p>
           <a:p>
@@ -32624,7 +33269,42 @@
                 <a:spcPts val="600"/>
               </a:spcAft>
             </a:pPr>
-            <a:endParaRPr lang="en-US" sz="2000"/>
+            <a:r>
+              <a:rPr lang="en-US" sz="1800" dirty="0">
+                <a:solidFill>
+                  <a:schemeClr val="tx1"/>
+                </a:solidFill>
+                <a:highlight>
+                  <a:srgbClr val="FFFF00"/>
+                </a:highlight>
+                <a:latin typeface="+mn-lt"/>
+                <a:hlinkClick r:id="rId4"/>
+              </a:rPr>
+              <a:t>https://docs.microsoft.com/en-us/azure/firewall/premium-features?WT.mc_id=Portal-Microsoft_Azure_HybridNetworking</a:t>
+            </a:r>
+            <a:r>
+              <a:rPr lang="en-US" sz="1800" dirty="0">
+                <a:solidFill>
+                  <a:schemeClr val="tx1"/>
+                </a:solidFill>
+                <a:highlight>
+                  <a:srgbClr val="FFFF00"/>
+                </a:highlight>
+                <a:latin typeface="+mn-lt"/>
+              </a:rPr>
+              <a:t> </a:t>
+            </a:r>
+          </a:p>
+          <a:p>
+            <a:pPr>
+              <a:spcBef>
+                <a:spcPts val="0"/>
+              </a:spcBef>
+              <a:spcAft>
+                <a:spcPts val="600"/>
+              </a:spcAft>
+            </a:pPr>
+            <a:endParaRPr lang="en-US" sz="2000" dirty="0"/>
           </a:p>
         </p:txBody>
       </p:sp>
@@ -32643,7 +33323,7 @@
           <p:nvPr/>
         </p:nvPicPr>
         <p:blipFill>
-          <a:blip r:embed="rId4">
+          <a:blip r:embed="rId5">
             <a:extLst>
               <a:ext uri="{28A0092B-C50C-407E-A947-70E740481C1C}">
                 <a14:useLocalDpi xmlns:a14="http://schemas.microsoft.com/office/drawing/2010/main" val="0"/>
@@ -32680,397 +33360,7 @@
 </p:sld>
 </file>
 
-<file path=ppt/slides/slide3.xml><?xml version="1.0" encoding="utf-8"?>
-<p:sld xmlns:a="http://schemas.openxmlformats.org/drawingml/2006/main" xmlns:r="http://schemas.openxmlformats.org/officeDocument/2006/relationships" xmlns:p="http://schemas.openxmlformats.org/presentationml/2006/main">
-  <p:cSld>
-    <p:spTree>
-      <p:nvGrpSpPr>
-        <p:cNvPr id="1" name=""/>
-        <p:cNvGrpSpPr/>
-        <p:nvPr/>
-      </p:nvGrpSpPr>
-      <p:grpSpPr>
-        <a:xfrm>
-          <a:off x="0" y="0"/>
-          <a:ext cx="0" cy="0"/>
-          <a:chOff x="0" y="0"/>
-          <a:chExt cx="0" cy="0"/>
-        </a:xfrm>
-      </p:grpSpPr>
-      <p:sp>
-        <p:nvSpPr>
-          <p:cNvPr id="14" name="Title 13">
-            <a:extLst>
-              <a:ext uri="{FF2B5EF4-FFF2-40B4-BE49-F238E27FC236}">
-                <a16:creationId xmlns:a16="http://schemas.microsoft.com/office/drawing/2014/main" id="{E307D465-5D56-0B41-96C4-901FFC2422DF}"/>
-              </a:ext>
-            </a:extLst>
-          </p:cNvPr>
-          <p:cNvSpPr>
-            <a:spLocks noGrp="1"/>
-          </p:cNvSpPr>
-          <p:nvPr>
-            <p:ph type="title"/>
-          </p:nvPr>
-        </p:nvSpPr>
-        <p:spPr/>
-        <p:txBody>
-          <a:bodyPr/>
-          <a:lstStyle/>
-          <a:p>
-            <a:r>
-              <a:rPr lang="en-US"/>
-              <a:t>Introduction </a:t>
-            </a:r>
-          </a:p>
-        </p:txBody>
-      </p:sp>
-      <p:sp>
-        <p:nvSpPr>
-          <p:cNvPr id="3" name="Content Placeholder 2">
-            <a:extLst>
-              <a:ext uri="{FF2B5EF4-FFF2-40B4-BE49-F238E27FC236}">
-                <a16:creationId xmlns:a16="http://schemas.microsoft.com/office/drawing/2014/main" id="{AA185E1C-174B-427E-8173-3D6B22758871}"/>
-              </a:ext>
-            </a:extLst>
-          </p:cNvPr>
-          <p:cNvSpPr>
-            <a:spLocks noGrp="1"/>
-          </p:cNvSpPr>
-          <p:nvPr>
-            <p:ph sz="quarter" idx="10"/>
-          </p:nvPr>
-        </p:nvSpPr>
-        <p:spPr>
-          <a:xfrm>
-            <a:off x="419100" y="1456897"/>
-            <a:ext cx="6079671" cy="3724096"/>
-          </a:xfrm>
-        </p:spPr>
-        <p:txBody>
-          <a:bodyPr/>
-          <a:lstStyle/>
-          <a:p>
-            <a:pPr marL="342900" lvl="1" indent="-342900">
-              <a:buFont typeface="Arial" panose="020B0604020202020204" pitchFamily="34" charset="0"/>
-              <a:buChar char="•"/>
-            </a:pPr>
-            <a:r>
-              <a:rPr lang="en-US"/>
-              <a:t>Recommend a network architecture solution based on workload requirements </a:t>
-            </a:r>
-          </a:p>
-          <a:p>
-            <a:pPr marL="342900" lvl="1" indent="-342900">
-              <a:buFont typeface="Arial" panose="020B0604020202020204" pitchFamily="34" charset="0"/>
-              <a:buChar char="•"/>
-            </a:pPr>
-            <a:r>
-              <a:rPr lang="en-US"/>
-              <a:t>Design for on-premises connectivity to Azure virtual networks </a:t>
-            </a:r>
-          </a:p>
-          <a:p>
-            <a:pPr marL="342900" lvl="1" indent="-342900">
-              <a:buFont typeface="Arial" panose="020B0604020202020204" pitchFamily="34" charset="0"/>
-              <a:buChar char="•"/>
-            </a:pPr>
-            <a:r>
-              <a:rPr lang="en-US"/>
-              <a:t>Design for Azure network connectivity services</a:t>
-            </a:r>
-          </a:p>
-          <a:p>
-            <a:pPr marL="342900" lvl="1" indent="-342900">
-              <a:buFont typeface="Arial" panose="020B0604020202020204" pitchFamily="34" charset="0"/>
-              <a:buChar char="•"/>
-            </a:pPr>
-            <a:r>
-              <a:rPr lang="en-US"/>
-              <a:t>Design for application delivery services </a:t>
-            </a:r>
-          </a:p>
-          <a:p>
-            <a:pPr marL="342900" lvl="1" indent="-342900">
-              <a:buFont typeface="Arial" panose="020B0604020202020204" pitchFamily="34" charset="0"/>
-              <a:buChar char="•"/>
-            </a:pPr>
-            <a:r>
-              <a:rPr lang="en-US"/>
-              <a:t>Design for application protection services </a:t>
-            </a:r>
-          </a:p>
-          <a:p>
-            <a:pPr marL="342900" lvl="1" indent="-342900">
-              <a:buFont typeface="Arial" panose="020B0604020202020204" pitchFamily="34" charset="0"/>
-              <a:buChar char="•"/>
-            </a:pPr>
-            <a:endParaRPr lang="en-US"/>
-          </a:p>
-          <a:p>
-            <a:pPr marL="342900" lvl="1" indent="-342900">
-              <a:buFont typeface="Arial" panose="020B0604020202020204" pitchFamily="34" charset="0"/>
-              <a:buChar char="•"/>
-            </a:pPr>
-            <a:endParaRPr lang="en-US"/>
-          </a:p>
-        </p:txBody>
-      </p:sp>
-      <p:sp>
-        <p:nvSpPr>
-          <p:cNvPr id="2" name="TextBox 1">
-            <a:extLst>
-              <a:ext uri="{FF2B5EF4-FFF2-40B4-BE49-F238E27FC236}">
-                <a16:creationId xmlns:a16="http://schemas.microsoft.com/office/drawing/2014/main" id="{4FB27062-3942-49D6-BD3F-11FCDBEADE2C}"/>
-              </a:ext>
-            </a:extLst>
-          </p:cNvPr>
-          <p:cNvSpPr txBox="1"/>
-          <p:nvPr/>
-        </p:nvSpPr>
-        <p:spPr>
-          <a:xfrm>
-            <a:off x="6498771" y="1183809"/>
-            <a:ext cx="5463682" cy="5147948"/>
-          </a:xfrm>
-          <a:prstGeom prst="rect">
-            <a:avLst/>
-          </a:prstGeom>
-          <a:solidFill>
-            <a:schemeClr val="bg1">
-              <a:lumMod val="95000"/>
-            </a:schemeClr>
-          </a:solidFill>
-        </p:spPr>
-        <p:txBody>
-          <a:bodyPr wrap="square" lIns="182880" tIns="146304" rIns="182880" bIns="146304" rtlCol="0">
-            <a:spAutoFit/>
-          </a:bodyPr>
-          <a:lstStyle/>
-          <a:p>
-            <a:pPr>
-              <a:lnSpc>
-                <a:spcPct val="90000"/>
-              </a:lnSpc>
-              <a:spcAft>
-                <a:spcPts val="600"/>
-              </a:spcAft>
-            </a:pPr>
-            <a:r>
-              <a:rPr lang="en-US" sz="1800">
-                <a:solidFill>
-                  <a:schemeClr val="tx2">
-                    <a:lumMod val="50000"/>
-                  </a:schemeClr>
-                </a:solidFill>
-                <a:effectLst/>
-                <a:ea typeface="Times New Roman" panose="02020603050405020304" pitchFamily="18" charset="0"/>
-                <a:cs typeface="Times New Roman" panose="02020603050405020304" pitchFamily="18" charset="0"/>
-              </a:rPr>
-              <a:t>AZ-305: Design Infrastructure Solutions (25-30%)</a:t>
-            </a:r>
-          </a:p>
-          <a:p>
-            <a:pPr marL="0" marR="0">
-              <a:lnSpc>
-                <a:spcPct val="107000"/>
-              </a:lnSpc>
-              <a:spcBef>
-                <a:spcPts val="0"/>
-              </a:spcBef>
-              <a:spcAft>
-                <a:spcPts val="800"/>
-              </a:spcAft>
-            </a:pPr>
-            <a:r>
-              <a:rPr lang="en-US" sz="1800">
-                <a:solidFill>
-                  <a:schemeClr val="tx2">
-                    <a:lumMod val="50000"/>
-                  </a:schemeClr>
-                </a:solidFill>
-                <a:effectLst/>
-                <a:ea typeface="Times New Roman" panose="02020603050405020304" pitchFamily="18" charset="0"/>
-                <a:cs typeface="Times New Roman" panose="02020603050405020304" pitchFamily="18" charset="0"/>
-              </a:rPr>
-              <a:t>Design network solutions</a:t>
-            </a:r>
-          </a:p>
-          <a:p>
-            <a:pPr marL="342900" marR="0" lvl="0" indent="-342900">
-              <a:lnSpc>
-                <a:spcPct val="107000"/>
-              </a:lnSpc>
-              <a:spcBef>
-                <a:spcPts val="0"/>
-              </a:spcBef>
-              <a:spcAft>
-                <a:spcPts val="0"/>
-              </a:spcAft>
-              <a:buFont typeface="Symbol" panose="05050102010706020507" pitchFamily="18" charset="2"/>
-              <a:buChar char=""/>
-            </a:pPr>
-            <a:r>
-              <a:rPr lang="en-US" sz="1800">
-                <a:effectLst/>
-                <a:ea typeface="Calibri" panose="020F0502020204030204" pitchFamily="34" charset="0"/>
-                <a:cs typeface="Times New Roman" panose="02020603050405020304" pitchFamily="18" charset="0"/>
-              </a:rPr>
-              <a:t>Recommend a network architecture solution based on workload requirements</a:t>
-            </a:r>
-          </a:p>
-          <a:p>
-            <a:pPr marL="342900" marR="0" lvl="0" indent="-342900">
-              <a:lnSpc>
-                <a:spcPct val="107000"/>
-              </a:lnSpc>
-              <a:spcBef>
-                <a:spcPts val="0"/>
-              </a:spcBef>
-              <a:spcAft>
-                <a:spcPts val="0"/>
-              </a:spcAft>
-              <a:buFont typeface="Symbol" panose="05050102010706020507" pitchFamily="18" charset="2"/>
-              <a:buChar char=""/>
-            </a:pPr>
-            <a:r>
-              <a:rPr lang="en-US" sz="1800">
-                <a:effectLst/>
-                <a:ea typeface="Calibri" panose="020F0502020204030204" pitchFamily="34" charset="0"/>
-                <a:cs typeface="Times New Roman" panose="02020603050405020304" pitchFamily="18" charset="0"/>
-              </a:rPr>
-              <a:t>Recommend a connectivity solution that connects Azure resources to the Internet</a:t>
-            </a:r>
-          </a:p>
-          <a:p>
-            <a:pPr marL="342900" marR="0" lvl="0" indent="-342900">
-              <a:lnSpc>
-                <a:spcPct val="107000"/>
-              </a:lnSpc>
-              <a:spcBef>
-                <a:spcPts val="0"/>
-              </a:spcBef>
-              <a:spcAft>
-                <a:spcPts val="0"/>
-              </a:spcAft>
-              <a:buFont typeface="Symbol" panose="05050102010706020507" pitchFamily="18" charset="2"/>
-              <a:buChar char=""/>
-            </a:pPr>
-            <a:r>
-              <a:rPr lang="en-US" sz="1800">
-                <a:effectLst/>
-                <a:ea typeface="Calibri" panose="020F0502020204030204" pitchFamily="34" charset="0"/>
-                <a:cs typeface="Times New Roman" panose="02020603050405020304" pitchFamily="18" charset="0"/>
-              </a:rPr>
-              <a:t>Recommend a connectivity solution that connects Azure resources to on-premises networks</a:t>
-            </a:r>
-          </a:p>
-          <a:p>
-            <a:pPr marL="342900" marR="0" lvl="0" indent="-342900">
-              <a:lnSpc>
-                <a:spcPct val="107000"/>
-              </a:lnSpc>
-              <a:spcBef>
-                <a:spcPts val="0"/>
-              </a:spcBef>
-              <a:spcAft>
-                <a:spcPts val="0"/>
-              </a:spcAft>
-              <a:buFont typeface="Symbol" panose="05050102010706020507" pitchFamily="18" charset="2"/>
-              <a:buChar char=""/>
-            </a:pPr>
-            <a:r>
-              <a:rPr lang="en-US" sz="1800">
-                <a:effectLst/>
-                <a:ea typeface="Calibri" panose="020F0502020204030204" pitchFamily="34" charset="0"/>
-                <a:cs typeface="Times New Roman" panose="02020603050405020304" pitchFamily="18" charset="0"/>
-              </a:rPr>
-              <a:t>Optimize network performance for applications</a:t>
-            </a:r>
-          </a:p>
-          <a:p>
-            <a:pPr marL="342900" marR="0" lvl="0" indent="-342900">
-              <a:lnSpc>
-                <a:spcPct val="107000"/>
-              </a:lnSpc>
-              <a:spcBef>
-                <a:spcPts val="0"/>
-              </a:spcBef>
-              <a:spcAft>
-                <a:spcPts val="0"/>
-              </a:spcAft>
-              <a:buFont typeface="Symbol" panose="05050102010706020507" pitchFamily="18" charset="2"/>
-              <a:buChar char=""/>
-            </a:pPr>
-            <a:r>
-              <a:rPr lang="en-US" sz="1800">
-                <a:effectLst/>
-                <a:ea typeface="Calibri" panose="020F0502020204030204" pitchFamily="34" charset="0"/>
-                <a:cs typeface="Times New Roman" panose="02020603050405020304" pitchFamily="18" charset="0"/>
-              </a:rPr>
-              <a:t>Recommend a solution to optimize network security</a:t>
-            </a:r>
-          </a:p>
-          <a:p>
-            <a:pPr marL="342900" marR="0" lvl="0" indent="-342900">
-              <a:lnSpc>
-                <a:spcPct val="107000"/>
-              </a:lnSpc>
-              <a:spcBef>
-                <a:spcPts val="0"/>
-              </a:spcBef>
-              <a:spcAft>
-                <a:spcPts val="0"/>
-              </a:spcAft>
-              <a:buFont typeface="Symbol" panose="05050102010706020507" pitchFamily="18" charset="2"/>
-              <a:buChar char=""/>
-            </a:pPr>
-            <a:r>
-              <a:rPr lang="en-US" sz="1800">
-                <a:effectLst/>
-                <a:ea typeface="Calibri" panose="020F0502020204030204" pitchFamily="34" charset="0"/>
-                <a:cs typeface="Times New Roman" panose="02020603050405020304" pitchFamily="18" charset="0"/>
-              </a:rPr>
-              <a:t>Recommend a load balancing and routing solution</a:t>
-            </a:r>
-          </a:p>
-          <a:p>
-            <a:pPr marR="0" lvl="0">
-              <a:lnSpc>
-                <a:spcPct val="107000"/>
-              </a:lnSpc>
-              <a:spcBef>
-                <a:spcPts val="0"/>
-              </a:spcBef>
-              <a:spcAft>
-                <a:spcPts val="0"/>
-              </a:spcAft>
-            </a:pPr>
-            <a:endParaRPr lang="en-US" sz="1800">
-              <a:effectLst/>
-              <a:ea typeface="Calibri" panose="020F0502020204030204" pitchFamily="34" charset="0"/>
-              <a:cs typeface="Times New Roman" panose="02020603050405020304" pitchFamily="18" charset="0"/>
-            </a:endParaRPr>
-          </a:p>
-        </p:txBody>
-      </p:sp>
-    </p:spTree>
-    <p:extLst>
-      <p:ext uri="{BB962C8B-B14F-4D97-AF65-F5344CB8AC3E}">
-        <p14:creationId xmlns:p14="http://schemas.microsoft.com/office/powerpoint/2010/main" val="3694744832"/>
-      </p:ext>
-    </p:extLst>
-  </p:cSld>
-  <p:clrMapOvr>
-    <a:masterClrMapping/>
-  </p:clrMapOvr>
-  <p:transition>
-    <p:fade/>
-  </p:transition>
-</p:sld>
-</file>
-
-<file path=ppt/slides/slide30.xml><?xml version="1.0" encoding="utf-8"?>
+<file path=ppt/slides/slide33.xml><?xml version="1.0" encoding="utf-8"?>
 <p:sld xmlns:a="http://schemas.openxmlformats.org/drawingml/2006/main" xmlns:r="http://schemas.openxmlformats.org/officeDocument/2006/relationships" xmlns:p="http://schemas.openxmlformats.org/presentationml/2006/main">
   <p:cSld>
     <p:spTree>
@@ -33158,7 +33448,7 @@
           <a:lstStyle/>
           <a:p>
             <a:r>
-              <a:rPr lang="en-US" sz="1800"/>
+              <a:rPr lang="en-US" sz="1800" dirty="0"/>
               <a:t>Azure Web Application Firewall (WAF) provides centralized protection to your web applications from common web exploits and vulnerabilities such as SQL injection, and cross site scripting. Azure WAF provides out of box protection from OWASP top 10 vulnerabilities via managed rules. </a:t>
             </a:r>
           </a:p>
@@ -33257,7 +33547,7 @@
         <p:spPr>
           <a:xfrm>
             <a:off x="579696" y="2654665"/>
-            <a:ext cx="4705409" cy="2477601"/>
+            <a:ext cx="4705409" cy="3185487"/>
           </a:xfrm>
           <a:prstGeom prst="rect">
             <a:avLst/>
@@ -33457,7 +33747,7 @@
           </a:lstStyle>
           <a:p>
             <a:r>
-              <a:rPr lang="en-US" sz="2000">
+              <a:rPr lang="en-US" sz="2000" dirty="0">
                 <a:solidFill>
                   <a:schemeClr val="tx2">
                     <a:lumMod val="50000"/>
@@ -33486,7 +33776,7 @@
               <a:defRPr/>
             </a:pPr>
             <a:r>
-              <a:rPr kumimoji="0" lang="en-US" sz="1800" b="0" i="0" u="none" strike="noStrike" kern="1200" cap="none" spc="0" normalizeH="0" baseline="0" noProof="0">
+              <a:rPr kumimoji="0" lang="en-US" sz="1800" b="0" i="0" u="none" strike="noStrike" kern="1200" cap="none" spc="0" normalizeH="0" baseline="0" noProof="0" dirty="0">
                 <a:ln>
                   <a:noFill/>
                 </a:ln>
@@ -33522,7 +33812,7 @@
               <a:defRPr/>
             </a:pPr>
             <a:r>
-              <a:rPr lang="en-US" sz="1800">
+              <a:rPr lang="en-US" sz="1800" dirty="0">
                 <a:solidFill>
                   <a:srgbClr val="000000"/>
                 </a:solidFill>
@@ -33550,7 +33840,7 @@
               <a:defRPr/>
             </a:pPr>
             <a:r>
-              <a:rPr kumimoji="0" lang="en-US" sz="1800" b="0" i="0" u="none" strike="noStrike" kern="1200" cap="none" spc="0" normalizeH="0" baseline="0" noProof="0">
+              <a:rPr kumimoji="0" lang="en-US" sz="1800" b="0" i="0" u="none" strike="noStrike" kern="1200" cap="none" spc="0" normalizeH="0" baseline="0" noProof="0" dirty="0">
                 <a:ln>
                   <a:noFill/>
                 </a:ln>
@@ -33567,7 +33857,7 @@
               <a:t>Deploy</a:t>
             </a:r>
             <a:r>
-              <a:rPr lang="en-US" sz="1800">
+              <a:rPr lang="en-US" sz="1800" dirty="0">
                 <a:solidFill>
                   <a:srgbClr val="000000"/>
                 </a:solidFill>
@@ -33575,7 +33865,26 @@
               </a:rPr>
               <a:t> WAF with Azure Application Gateway, Azure Front Door and Azure Content Delivery Network (CDN) </a:t>
             </a:r>
-            <a:endParaRPr kumimoji="0" lang="en-US" sz="1800" b="0" i="0" u="none" strike="noStrike" kern="1200" cap="none" spc="0" normalizeH="0" baseline="0" noProof="0">
+          </a:p>
+          <a:p>
+            <a:pPr marL="285750" marR="0" lvl="0" indent="-285750" algn="l" defTabSz="914367" rtl="0" eaLnBrk="1" fontAlgn="auto" latinLnBrk="0" hangingPunct="1">
+              <a:lnSpc>
+                <a:spcPct val="100000"/>
+              </a:lnSpc>
+              <a:spcBef>
+                <a:spcPts val="0"/>
+              </a:spcBef>
+              <a:spcAft>
+                <a:spcPts val="600"/>
+              </a:spcAft>
+              <a:buClrTx/>
+              <a:buSzTx/>
+              <a:buFont typeface="Arial" panose="020B0604020202020204" pitchFamily="34" charset="0"/>
+              <a:buChar char="•"/>
+              <a:tabLst/>
+              <a:defRPr/>
+            </a:pPr>
+            <a:endParaRPr kumimoji="0" lang="en-US" sz="1800" b="0" i="0" u="none" strike="noStrike" kern="1200" cap="none" spc="0" normalizeH="0" baseline="0" noProof="0" dirty="0">
               <a:ln>
                 <a:noFill/>
               </a:ln>
@@ -33591,7 +33900,58 @@
             </a:endParaRPr>
           </a:p>
           <a:p>
-            <a:endParaRPr lang="en-US" sz="2000"/>
+            <a:pPr marL="285750" marR="0" lvl="0" indent="-285750" algn="l" defTabSz="914367" rtl="0" eaLnBrk="1" fontAlgn="auto" latinLnBrk="0" hangingPunct="1">
+              <a:lnSpc>
+                <a:spcPct val="100000"/>
+              </a:lnSpc>
+              <a:spcBef>
+                <a:spcPts val="0"/>
+              </a:spcBef>
+              <a:spcAft>
+                <a:spcPts val="600"/>
+              </a:spcAft>
+              <a:buClrTx/>
+              <a:buSzTx/>
+              <a:buFont typeface="Arial" panose="020B0604020202020204" pitchFamily="34" charset="0"/>
+              <a:buChar char="•"/>
+              <a:tabLst/>
+              <a:defRPr/>
+            </a:pPr>
+            <a:r>
+              <a:rPr lang="en-US" sz="1800" b="1" u="sng" dirty="0">
+                <a:solidFill>
+                  <a:srgbClr val="000000"/>
+                </a:solidFill>
+                <a:latin typeface="Segoe UI"/>
+              </a:rPr>
+              <a:t>Some important point in </a:t>
+            </a:r>
+            <a:r>
+              <a:rPr lang="en-US" sz="1800" b="1" u="sng" dirty="0" err="1">
+                <a:solidFill>
+                  <a:srgbClr val="000000"/>
+                </a:solidFill>
+                <a:latin typeface="Segoe UI"/>
+              </a:rPr>
+              <a:t>OneNotes</a:t>
+            </a:r>
+            <a:endParaRPr kumimoji="0" lang="en-US" sz="1800" b="1" u="sng" strike="noStrike" kern="1200" cap="none" spc="0" normalizeH="0" baseline="0" noProof="0" dirty="0">
+              <a:ln>
+                <a:noFill/>
+              </a:ln>
+              <a:solidFill>
+                <a:srgbClr val="000000"/>
+              </a:solidFill>
+              <a:effectLst/>
+              <a:uLnTx/>
+              <a:uFillTx/>
+              <a:latin typeface="Segoe UI"/>
+              <a:ea typeface="+mn-ea"/>
+              <a:cs typeface="+mn-cs"/>
+            </a:endParaRPr>
+          </a:p>
+          <a:p>
+            <a:endParaRPr lang="en-US" sz="2000" dirty="0"/>
           </a:p>
         </p:txBody>
       </p:sp>
@@ -33647,7 +34007,669 @@
 </p:sld>
 </file>
 
-<file path=ppt/slides/slide31.xml><?xml version="1.0" encoding="utf-8"?>
+<file path=ppt/slides/slide34.xml><?xml version="1.0" encoding="utf-8"?>
+<p:sld xmlns:a="http://schemas.openxmlformats.org/drawingml/2006/main" xmlns:r="http://schemas.openxmlformats.org/officeDocument/2006/relationships" xmlns:p="http://schemas.openxmlformats.org/presentationml/2006/main">
+  <p:cSld>
+    <p:spTree>
+      <p:nvGrpSpPr>
+        <p:cNvPr id="1" name=""/>
+        <p:cNvGrpSpPr/>
+        <p:nvPr/>
+      </p:nvGrpSpPr>
+      <p:grpSpPr>
+        <a:xfrm>
+          <a:off x="0" y="0"/>
+          <a:ext cx="0" cy="0"/>
+          <a:chOff x="0" y="0"/>
+          <a:chExt cx="0" cy="0"/>
+        </a:xfrm>
+      </p:grpSpPr>
+      <p:sp>
+        <p:nvSpPr>
+          <p:cNvPr id="2" name="Title 1">
+            <a:extLst>
+              <a:ext uri="{FF2B5EF4-FFF2-40B4-BE49-F238E27FC236}">
+                <a16:creationId xmlns:a16="http://schemas.microsoft.com/office/drawing/2014/main" id="{D63C478B-BBD6-315B-106D-6BD7B2F073F3}"/>
+              </a:ext>
+            </a:extLst>
+          </p:cNvPr>
+          <p:cNvSpPr>
+            <a:spLocks noGrp="1"/>
+          </p:cNvSpPr>
+          <p:nvPr>
+            <p:ph type="title"/>
+          </p:nvPr>
+        </p:nvSpPr>
+        <p:spPr/>
+        <p:txBody>
+          <a:bodyPr/>
+          <a:lstStyle/>
+          <a:p>
+            <a:endParaRPr lang="en-HK"/>
+          </a:p>
+        </p:txBody>
+      </p:sp>
+      <p:sp>
+        <p:nvSpPr>
+          <p:cNvPr id="5" name="TextBox 4">
+            <a:extLst>
+              <a:ext uri="{FF2B5EF4-FFF2-40B4-BE49-F238E27FC236}">
+                <a16:creationId xmlns:a16="http://schemas.microsoft.com/office/drawing/2014/main" id="{EC450CBA-C027-75B8-662A-F8A4B9E4ED75}"/>
+              </a:ext>
+            </a:extLst>
+          </p:cNvPr>
+          <p:cNvSpPr txBox="1"/>
+          <p:nvPr/>
+        </p:nvSpPr>
+        <p:spPr>
+          <a:xfrm>
+            <a:off x="531340" y="1359491"/>
+            <a:ext cx="11034583" cy="4708981"/>
+          </a:xfrm>
+          <a:prstGeom prst="rect">
+            <a:avLst/>
+          </a:prstGeom>
+          <a:noFill/>
+        </p:spPr>
+        <p:txBody>
+          <a:bodyPr wrap="square">
+            <a:spAutoFit/>
+          </a:bodyPr>
+          <a:lstStyle/>
+          <a:p>
+            <a:pPr algn="l" rtl="0" fontAlgn="base">
+              <a:buFont typeface="Arial" panose="020B0604020202020204" pitchFamily="34" charset="0"/>
+              <a:buChar char="•"/>
+            </a:pPr>
+            <a:r>
+              <a:rPr lang="en-US" sz="2000" b="1" i="0" u="sng" dirty="0">
+                <a:solidFill>
+                  <a:srgbClr val="000000"/>
+                </a:solidFill>
+                <a:effectLst/>
+                <a:latin typeface="Calibri" panose="020F0502020204030204" pitchFamily="34" charset="0"/>
+              </a:rPr>
+              <a:t>Azure Firewall alone</a:t>
+            </a:r>
+            <a:r>
+              <a:rPr lang="en-US" sz="2000" b="1" i="0" dirty="0">
+                <a:solidFill>
+                  <a:srgbClr val="000000"/>
+                </a:solidFill>
+                <a:effectLst/>
+                <a:latin typeface="Calibri" panose="020F0502020204030204" pitchFamily="34" charset="0"/>
+              </a:rPr>
+              <a:t> </a:t>
+            </a:r>
+            <a:r>
+              <a:rPr lang="en-US" sz="2000" b="0" i="0" dirty="0">
+                <a:solidFill>
+                  <a:srgbClr val="000000"/>
+                </a:solidFill>
+                <a:effectLst/>
+                <a:latin typeface="Calibri" panose="020F0502020204030204" pitchFamily="34" charset="0"/>
+              </a:rPr>
+              <a:t> </a:t>
+            </a:r>
+          </a:p>
+          <a:p>
+            <a:pPr marL="742950" lvl="1" indent="-285750" algn="l" rtl="0" fontAlgn="base">
+              <a:buFont typeface="Arial" panose="020B0604020202020204" pitchFamily="34" charset="0"/>
+              <a:buChar char="•"/>
+            </a:pPr>
+            <a:r>
+              <a:rPr lang="en-US" sz="2000" b="0" i="0" dirty="0">
+                <a:solidFill>
+                  <a:srgbClr val="000000"/>
+                </a:solidFill>
+                <a:effectLst/>
+                <a:latin typeface="Calibri" panose="020F0502020204030204" pitchFamily="34" charset="0"/>
+              </a:rPr>
+              <a:t>when there are </a:t>
+            </a:r>
+            <a:r>
+              <a:rPr lang="en-US" sz="2000" b="0" i="0" dirty="0">
+                <a:solidFill>
+                  <a:srgbClr val="000000"/>
+                </a:solidFill>
+                <a:effectLst/>
+                <a:highlight>
+                  <a:srgbClr val="FFFF00"/>
+                </a:highlight>
+                <a:latin typeface="Calibri" panose="020F0502020204030204" pitchFamily="34" charset="0"/>
+              </a:rPr>
+              <a:t>no web applications </a:t>
+            </a:r>
+            <a:r>
+              <a:rPr lang="en-US" sz="2000" b="0" i="0" dirty="0">
+                <a:solidFill>
+                  <a:srgbClr val="000000"/>
+                </a:solidFill>
+                <a:effectLst/>
+                <a:latin typeface="Calibri" panose="020F0502020204030204" pitchFamily="34" charset="0"/>
+              </a:rPr>
+              <a:t>in the virtual network. </a:t>
+            </a:r>
+          </a:p>
+          <a:p>
+            <a:pPr algn="l" rtl="0" fontAlgn="base">
+              <a:buFont typeface="Arial" panose="020B0604020202020204" pitchFamily="34" charset="0"/>
+              <a:buChar char="•"/>
+            </a:pPr>
+            <a:r>
+              <a:rPr lang="en-US" sz="2000" b="1" i="0" u="sng" dirty="0">
+                <a:solidFill>
+                  <a:srgbClr val="000000"/>
+                </a:solidFill>
+                <a:effectLst/>
+                <a:latin typeface="Calibri" panose="020F0502020204030204" pitchFamily="34" charset="0"/>
+              </a:rPr>
+              <a:t>Application Gateway alone</a:t>
+            </a:r>
+            <a:r>
+              <a:rPr lang="en-US" sz="2000" b="1" i="0" dirty="0">
+                <a:solidFill>
+                  <a:srgbClr val="000000"/>
+                </a:solidFill>
+                <a:effectLst/>
+                <a:latin typeface="Calibri" panose="020F0502020204030204" pitchFamily="34" charset="0"/>
+              </a:rPr>
+              <a:t> </a:t>
+            </a:r>
+            <a:r>
+              <a:rPr lang="en-US" sz="2000" b="0" i="0" dirty="0">
+                <a:solidFill>
+                  <a:srgbClr val="000000"/>
+                </a:solidFill>
+                <a:effectLst/>
+                <a:latin typeface="Calibri" panose="020F0502020204030204" pitchFamily="34" charset="0"/>
+              </a:rPr>
+              <a:t> </a:t>
+            </a:r>
+          </a:p>
+          <a:p>
+            <a:pPr marL="742950" lvl="1" indent="-285750" algn="l" rtl="0" fontAlgn="base">
+              <a:buFont typeface="Arial" panose="020B0604020202020204" pitchFamily="34" charset="0"/>
+              <a:buChar char="•"/>
+            </a:pPr>
+            <a:r>
+              <a:rPr lang="en-US" sz="2000" b="0" i="0" dirty="0">
+                <a:solidFill>
+                  <a:srgbClr val="000000"/>
+                </a:solidFill>
+                <a:effectLst/>
+                <a:latin typeface="Calibri" panose="020F0502020204030204" pitchFamily="34" charset="0"/>
+              </a:rPr>
+              <a:t>when there are </a:t>
+            </a:r>
+            <a:r>
+              <a:rPr lang="en-US" sz="2000" b="0" i="0" dirty="0">
+                <a:solidFill>
+                  <a:srgbClr val="000000"/>
+                </a:solidFill>
+                <a:effectLst/>
+                <a:highlight>
+                  <a:srgbClr val="FFFF00"/>
+                </a:highlight>
+                <a:latin typeface="Calibri" panose="020F0502020204030204" pitchFamily="34" charset="0"/>
+              </a:rPr>
+              <a:t>only web applications </a:t>
+            </a:r>
+            <a:r>
+              <a:rPr lang="en-US" sz="2000" b="0" i="0" dirty="0">
+                <a:solidFill>
+                  <a:srgbClr val="000000"/>
+                </a:solidFill>
+                <a:effectLst/>
+                <a:latin typeface="Calibri" panose="020F0502020204030204" pitchFamily="34" charset="0"/>
+              </a:rPr>
+              <a:t>in the virtual network, and network security groups </a:t>
+            </a:r>
+            <a:r>
+              <a:rPr lang="en-US" sz="2000" b="0" i="0" dirty="0">
+                <a:solidFill>
+                  <a:srgbClr val="000000"/>
+                </a:solidFill>
+                <a:effectLst/>
+                <a:highlight>
+                  <a:srgbClr val="FFFF00"/>
+                </a:highlight>
+                <a:latin typeface="Calibri" panose="020F0502020204030204" pitchFamily="34" charset="0"/>
+              </a:rPr>
+              <a:t>(NSGs) provide sufficient </a:t>
+            </a:r>
+            <a:r>
+              <a:rPr lang="en-US" sz="2000" b="1" i="0" u="sng" dirty="0">
+                <a:solidFill>
+                  <a:srgbClr val="000000"/>
+                </a:solidFill>
+                <a:effectLst/>
+                <a:highlight>
+                  <a:srgbClr val="FFFF00"/>
+                </a:highlight>
+                <a:latin typeface="Calibri" panose="020F0502020204030204" pitchFamily="34" charset="0"/>
+              </a:rPr>
+              <a:t>output</a:t>
+            </a:r>
+            <a:r>
+              <a:rPr lang="en-US" sz="2000" b="0" i="0" dirty="0">
+                <a:solidFill>
+                  <a:srgbClr val="000000"/>
+                </a:solidFill>
+                <a:effectLst/>
+                <a:highlight>
+                  <a:srgbClr val="FFFF00"/>
+                </a:highlight>
+                <a:latin typeface="Calibri" panose="020F0502020204030204" pitchFamily="34" charset="0"/>
+              </a:rPr>
+              <a:t> filtering</a:t>
+            </a:r>
+            <a:r>
+              <a:rPr lang="en-US" sz="2000" b="0" i="0" dirty="0">
+                <a:solidFill>
+                  <a:srgbClr val="000000"/>
+                </a:solidFill>
+                <a:effectLst/>
+                <a:latin typeface="Calibri" panose="020F0502020204030204" pitchFamily="34" charset="0"/>
+              </a:rPr>
+              <a:t>. </a:t>
+            </a:r>
+          </a:p>
+          <a:p>
+            <a:pPr algn="l" rtl="0" fontAlgn="base">
+              <a:buFont typeface="Arial" panose="020B0604020202020204" pitchFamily="34" charset="0"/>
+              <a:buChar char="•"/>
+            </a:pPr>
+            <a:r>
+              <a:rPr lang="en-US" sz="2000" b="1" i="0" u="sng" dirty="0">
+                <a:solidFill>
+                  <a:srgbClr val="000000"/>
+                </a:solidFill>
+                <a:effectLst/>
+                <a:latin typeface="Calibri" panose="020F0502020204030204" pitchFamily="34" charset="0"/>
+              </a:rPr>
+              <a:t>Azure Firewall</a:t>
+            </a:r>
+            <a:r>
+              <a:rPr lang="en-US" sz="2000" b="0" i="0" dirty="0">
+                <a:solidFill>
+                  <a:srgbClr val="000000"/>
+                </a:solidFill>
+                <a:effectLst/>
+                <a:latin typeface="Calibri" panose="020F0502020204030204" pitchFamily="34" charset="0"/>
+              </a:rPr>
+              <a:t> and </a:t>
+            </a:r>
+            <a:r>
+              <a:rPr lang="en-US" sz="2000" b="1" i="0" u="sng" dirty="0">
+                <a:solidFill>
+                  <a:srgbClr val="000000"/>
+                </a:solidFill>
+                <a:effectLst/>
+                <a:latin typeface="Calibri" panose="020F0502020204030204" pitchFamily="34" charset="0"/>
+              </a:rPr>
+              <a:t>Application Gateway</a:t>
+            </a:r>
+            <a:r>
+              <a:rPr lang="en-US" sz="2000" b="0" i="0" dirty="0">
+                <a:solidFill>
+                  <a:srgbClr val="000000"/>
+                </a:solidFill>
+                <a:effectLst/>
+                <a:latin typeface="Calibri" panose="020F0502020204030204" pitchFamily="34" charset="0"/>
+              </a:rPr>
+              <a:t> in </a:t>
+            </a:r>
+            <a:r>
+              <a:rPr lang="en-US" sz="2000" b="0" i="0" dirty="0">
+                <a:solidFill>
+                  <a:srgbClr val="000000"/>
+                </a:solidFill>
+                <a:effectLst/>
+                <a:highlight>
+                  <a:srgbClr val="FFFF00"/>
+                </a:highlight>
+                <a:latin typeface="Calibri" panose="020F0502020204030204" pitchFamily="34" charset="0"/>
+              </a:rPr>
+              <a:t>parallel</a:t>
+            </a:r>
+            <a:r>
+              <a:rPr lang="en-US" sz="2000" b="0" i="0" dirty="0">
+                <a:solidFill>
+                  <a:srgbClr val="000000"/>
+                </a:solidFill>
+                <a:effectLst/>
+                <a:latin typeface="Calibri" panose="020F0502020204030204" pitchFamily="34" charset="0"/>
+              </a:rPr>
+              <a:t> </a:t>
+            </a:r>
+          </a:p>
+          <a:p>
+            <a:pPr marL="742950" lvl="1" indent="-285750" algn="l" rtl="0" fontAlgn="base">
+              <a:buFont typeface="Arial" panose="020B0604020202020204" pitchFamily="34" charset="0"/>
+              <a:buChar char="•"/>
+            </a:pPr>
+            <a:r>
+              <a:rPr lang="en-US" sz="2000" b="0" i="0" dirty="0">
+                <a:solidFill>
+                  <a:srgbClr val="000000"/>
+                </a:solidFill>
+                <a:effectLst/>
+                <a:latin typeface="Calibri" panose="020F0502020204030204" pitchFamily="34" charset="0"/>
+              </a:rPr>
+              <a:t>the most common design, when you want </a:t>
+            </a:r>
+            <a:r>
+              <a:rPr lang="en-US" sz="2000" b="0" i="0" dirty="0">
+                <a:solidFill>
+                  <a:srgbClr val="000000"/>
+                </a:solidFill>
+                <a:effectLst/>
+                <a:highlight>
+                  <a:srgbClr val="FFFF00"/>
+                </a:highlight>
+                <a:latin typeface="Calibri" panose="020F0502020204030204" pitchFamily="34" charset="0"/>
+              </a:rPr>
+              <a:t>Azure Application Gateway to protect HTTP(S) </a:t>
+            </a:r>
+            <a:r>
+              <a:rPr lang="en-US" sz="2000" b="0" i="0" dirty="0">
+                <a:solidFill>
+                  <a:srgbClr val="000000"/>
+                </a:solidFill>
+                <a:effectLst/>
+                <a:latin typeface="Calibri" panose="020F0502020204030204" pitchFamily="34" charset="0"/>
+              </a:rPr>
+              <a:t>applications from web attacks, and </a:t>
+            </a:r>
+            <a:r>
+              <a:rPr lang="en-US" sz="2000" b="0" i="0" dirty="0">
+                <a:solidFill>
+                  <a:srgbClr val="000000"/>
+                </a:solidFill>
+                <a:effectLst/>
+                <a:highlight>
+                  <a:srgbClr val="FFFF00"/>
+                </a:highlight>
+                <a:latin typeface="Calibri" panose="020F0502020204030204" pitchFamily="34" charset="0"/>
+              </a:rPr>
+              <a:t>Azure Firewall</a:t>
+            </a:r>
+            <a:r>
+              <a:rPr lang="en-US" sz="2000" b="0" i="0" dirty="0">
+                <a:solidFill>
+                  <a:srgbClr val="000000"/>
+                </a:solidFill>
+                <a:effectLst/>
+                <a:latin typeface="Calibri" panose="020F0502020204030204" pitchFamily="34" charset="0"/>
+              </a:rPr>
+              <a:t> to protect all other workloads and </a:t>
+            </a:r>
+            <a:r>
+              <a:rPr lang="en-US" sz="2000" b="0" i="0" dirty="0">
+                <a:solidFill>
+                  <a:srgbClr val="000000"/>
+                </a:solidFill>
+                <a:effectLst/>
+                <a:highlight>
+                  <a:srgbClr val="FFFF00"/>
+                </a:highlight>
+                <a:latin typeface="Calibri" panose="020F0502020204030204" pitchFamily="34" charset="0"/>
+              </a:rPr>
+              <a:t>filter outbound traffic</a:t>
+            </a:r>
+            <a:r>
+              <a:rPr lang="en-US" sz="2000" b="0" i="0" dirty="0">
+                <a:solidFill>
+                  <a:srgbClr val="000000"/>
+                </a:solidFill>
+                <a:effectLst/>
+                <a:latin typeface="Calibri" panose="020F0502020204030204" pitchFamily="34" charset="0"/>
+              </a:rPr>
+              <a:t>. </a:t>
+            </a:r>
+          </a:p>
+          <a:p>
+            <a:pPr algn="l" rtl="0" fontAlgn="base">
+              <a:buFont typeface="Arial" panose="020B0604020202020204" pitchFamily="34" charset="0"/>
+              <a:buChar char="•"/>
+            </a:pPr>
+            <a:r>
+              <a:rPr lang="en-US" sz="2000" b="1" i="0" u="sng" dirty="0">
+                <a:solidFill>
+                  <a:srgbClr val="000000"/>
+                </a:solidFill>
+                <a:effectLst/>
+                <a:latin typeface="Calibri" panose="020F0502020204030204" pitchFamily="34" charset="0"/>
+              </a:rPr>
+              <a:t>Application Gateway</a:t>
+            </a:r>
+            <a:r>
+              <a:rPr lang="en-US" sz="2000" b="0" i="0" dirty="0">
+                <a:solidFill>
+                  <a:srgbClr val="000000"/>
+                </a:solidFill>
+                <a:effectLst/>
+                <a:latin typeface="Calibri" panose="020F0502020204030204" pitchFamily="34" charset="0"/>
+              </a:rPr>
+              <a:t> </a:t>
+            </a:r>
+            <a:r>
+              <a:rPr lang="en-US" sz="2000" b="0" i="0" dirty="0">
+                <a:solidFill>
+                  <a:srgbClr val="000000"/>
+                </a:solidFill>
+                <a:effectLst/>
+                <a:highlight>
+                  <a:srgbClr val="FFFF00"/>
+                </a:highlight>
+                <a:latin typeface="Calibri" panose="020F0502020204030204" pitchFamily="34" charset="0"/>
+              </a:rPr>
+              <a:t>in front of </a:t>
+            </a:r>
+            <a:r>
+              <a:rPr lang="en-US" sz="2000" b="1" i="0" u="sng" dirty="0">
+                <a:solidFill>
+                  <a:srgbClr val="000000"/>
+                </a:solidFill>
+                <a:effectLst/>
+                <a:latin typeface="Calibri" panose="020F0502020204030204" pitchFamily="34" charset="0"/>
+              </a:rPr>
+              <a:t>Azure Firewall</a:t>
+            </a:r>
+            <a:r>
+              <a:rPr lang="en-US" sz="2000" b="0" i="0" dirty="0">
+                <a:solidFill>
+                  <a:srgbClr val="000000"/>
+                </a:solidFill>
+                <a:effectLst/>
+                <a:latin typeface="Calibri" panose="020F0502020204030204" pitchFamily="34" charset="0"/>
+              </a:rPr>
+              <a:t>  </a:t>
+            </a:r>
+          </a:p>
+          <a:p>
+            <a:pPr marL="742950" lvl="1" indent="-285750" algn="l" rtl="0" fontAlgn="base">
+              <a:buFont typeface="Arial" panose="020B0604020202020204" pitchFamily="34" charset="0"/>
+              <a:buChar char="•"/>
+            </a:pPr>
+            <a:r>
+              <a:rPr lang="en-US" sz="2000" b="0" i="0" dirty="0">
+                <a:solidFill>
+                  <a:srgbClr val="000000"/>
+                </a:solidFill>
+                <a:effectLst/>
+                <a:latin typeface="Calibri" panose="020F0502020204030204" pitchFamily="34" charset="0"/>
+              </a:rPr>
+              <a:t>when you want Azure Firewall to inspect all traffic and WAF to protect web traffic, and the application needs to </a:t>
+            </a:r>
+            <a:r>
+              <a:rPr lang="en-US" sz="2000" b="0" i="0" dirty="0">
+                <a:solidFill>
+                  <a:srgbClr val="000000"/>
+                </a:solidFill>
+                <a:effectLst/>
+                <a:highlight>
+                  <a:srgbClr val="FFFF00"/>
+                </a:highlight>
+                <a:latin typeface="Calibri" panose="020F0502020204030204" pitchFamily="34" charset="0"/>
+              </a:rPr>
+              <a:t>know the client's source IP address</a:t>
+            </a:r>
+            <a:r>
+              <a:rPr lang="en-US" sz="2000" b="0" i="0" dirty="0">
+                <a:solidFill>
+                  <a:srgbClr val="000000"/>
+                </a:solidFill>
+                <a:effectLst/>
+                <a:latin typeface="Calibri" panose="020F0502020204030204" pitchFamily="34" charset="0"/>
+              </a:rPr>
+              <a:t>. </a:t>
+            </a:r>
+          </a:p>
+          <a:p>
+            <a:pPr algn="l" rtl="0" fontAlgn="base">
+              <a:buFont typeface="Arial" panose="020B0604020202020204" pitchFamily="34" charset="0"/>
+              <a:buChar char="•"/>
+            </a:pPr>
+            <a:r>
+              <a:rPr lang="en-US" sz="2000" b="1" i="0" u="sng" dirty="0">
+                <a:solidFill>
+                  <a:srgbClr val="000000"/>
+                </a:solidFill>
+                <a:effectLst/>
+                <a:latin typeface="Calibri" panose="020F0502020204030204" pitchFamily="34" charset="0"/>
+              </a:rPr>
+              <a:t>Azure Firewall</a:t>
+            </a:r>
+            <a:r>
+              <a:rPr lang="en-US" sz="2000" b="1" i="0" dirty="0">
+                <a:solidFill>
+                  <a:srgbClr val="000000"/>
+                </a:solidFill>
+                <a:effectLst/>
+                <a:latin typeface="Calibri" panose="020F0502020204030204" pitchFamily="34" charset="0"/>
+              </a:rPr>
+              <a:t> </a:t>
+            </a:r>
+            <a:r>
+              <a:rPr lang="en-US" sz="2000" b="0" i="0" dirty="0">
+                <a:solidFill>
+                  <a:srgbClr val="000000"/>
+                </a:solidFill>
+                <a:effectLst/>
+                <a:highlight>
+                  <a:srgbClr val="FFFF00"/>
+                </a:highlight>
+                <a:latin typeface="Calibri" panose="020F0502020204030204" pitchFamily="34" charset="0"/>
+              </a:rPr>
+              <a:t>in front of </a:t>
+            </a:r>
+            <a:r>
+              <a:rPr lang="en-US" sz="2000" b="1" i="0" u="sng" dirty="0">
+                <a:solidFill>
+                  <a:srgbClr val="000000"/>
+                </a:solidFill>
+                <a:effectLst/>
+                <a:latin typeface="Calibri" panose="020F0502020204030204" pitchFamily="34" charset="0"/>
+              </a:rPr>
+              <a:t>Application Gateway</a:t>
+            </a:r>
+            <a:r>
+              <a:rPr lang="en-US" sz="2000" b="0" i="0" dirty="0">
+                <a:solidFill>
+                  <a:srgbClr val="000000"/>
+                </a:solidFill>
+                <a:effectLst/>
+                <a:latin typeface="Calibri" panose="020F0502020204030204" pitchFamily="34" charset="0"/>
+              </a:rPr>
+              <a:t>  </a:t>
+            </a:r>
+          </a:p>
+          <a:p>
+            <a:pPr marL="742950" lvl="1" indent="-285750" algn="l" rtl="0" fontAlgn="base">
+              <a:buFont typeface="Arial" panose="020B0604020202020204" pitchFamily="34" charset="0"/>
+              <a:buChar char="•"/>
+            </a:pPr>
+            <a:r>
+              <a:rPr lang="en-US" sz="2000" b="0" i="0" dirty="0">
+                <a:solidFill>
+                  <a:srgbClr val="000000"/>
+                </a:solidFill>
+                <a:effectLst/>
+                <a:latin typeface="Calibri" panose="020F0502020204030204" pitchFamily="34" charset="0"/>
+              </a:rPr>
+              <a:t>when you want Azure Firewall to inspect and </a:t>
+            </a:r>
+            <a:r>
+              <a:rPr lang="en-US" sz="2000" b="0" i="0" dirty="0">
+                <a:solidFill>
+                  <a:srgbClr val="000000"/>
+                </a:solidFill>
+                <a:effectLst/>
+                <a:highlight>
+                  <a:srgbClr val="FFFF00"/>
+                </a:highlight>
+                <a:latin typeface="Calibri" panose="020F0502020204030204" pitchFamily="34" charset="0"/>
+              </a:rPr>
+              <a:t>filter traffic </a:t>
+            </a:r>
+            <a:r>
+              <a:rPr lang="en-US" sz="2000" b="1" i="0" u="sng" dirty="0">
+                <a:solidFill>
+                  <a:srgbClr val="000000"/>
+                </a:solidFill>
+                <a:effectLst/>
+                <a:highlight>
+                  <a:srgbClr val="FFFF00"/>
+                </a:highlight>
+                <a:latin typeface="Calibri" panose="020F0502020204030204" pitchFamily="34" charset="0"/>
+              </a:rPr>
+              <a:t>before</a:t>
+            </a:r>
+            <a:r>
+              <a:rPr lang="en-US" sz="2000" b="0" i="0" dirty="0">
+                <a:solidFill>
+                  <a:srgbClr val="000000"/>
+                </a:solidFill>
+                <a:effectLst/>
+                <a:highlight>
+                  <a:srgbClr val="FFFF00"/>
+                </a:highlight>
+                <a:latin typeface="Calibri" panose="020F0502020204030204" pitchFamily="34" charset="0"/>
+              </a:rPr>
+              <a:t> it reaches </a:t>
+            </a:r>
+            <a:r>
+              <a:rPr lang="en-US" sz="2000" b="0" i="0" dirty="0">
+                <a:solidFill>
+                  <a:srgbClr val="000000"/>
+                </a:solidFill>
+                <a:effectLst/>
+                <a:latin typeface="Calibri" panose="020F0502020204030204" pitchFamily="34" charset="0"/>
+              </a:rPr>
+              <a:t>the Application Gateway. </a:t>
+            </a:r>
+          </a:p>
+        </p:txBody>
+      </p:sp>
+    </p:spTree>
+    <p:extLst>
+      <p:ext uri="{BB962C8B-B14F-4D97-AF65-F5344CB8AC3E}">
+        <p14:creationId xmlns:p14="http://schemas.microsoft.com/office/powerpoint/2010/main" val="4102310564"/>
+      </p:ext>
+    </p:extLst>
+  </p:cSld>
+  <p:clrMapOvr>
+    <a:masterClrMapping/>
+  </p:clrMapOvr>
+  <p:transition>
+    <p:fade/>
+  </p:transition>
+</p:sld>
+</file>
+
+<file path=ppt/slides/slide35.xml><?xml version="1.0" encoding="utf-8"?>
 <p:sld xmlns:a="http://schemas.openxmlformats.org/drawingml/2006/main" xmlns:r="http://schemas.openxmlformats.org/officeDocument/2006/relationships" xmlns:p="http://schemas.openxmlformats.org/presentationml/2006/main">
   <p:cSld>
     <p:spTree>
@@ -34248,7 +35270,7 @@
 </p:sld>
 </file>
 
-<file path=ppt/slides/slide32.xml><?xml version="1.0" encoding="utf-8"?>
+<file path=ppt/slides/slide36.xml><?xml version="1.0" encoding="utf-8"?>
 <p:sld xmlns:a="http://schemas.openxmlformats.org/drawingml/2006/main" xmlns:r="http://schemas.openxmlformats.org/officeDocument/2006/relationships" xmlns:p="http://schemas.openxmlformats.org/presentationml/2006/main">
   <p:cSld>
     <p:spTree>
@@ -34759,7 +35781,7 @@
 </p:sld>
 </file>
 
-<file path=ppt/slides/slide33.xml><?xml version="1.0" encoding="utf-8"?>
+<file path=ppt/slides/slide37.xml><?xml version="1.0" encoding="utf-8"?>
 <p:sld xmlns:a="http://schemas.openxmlformats.org/drawingml/2006/main" xmlns:r="http://schemas.openxmlformats.org/officeDocument/2006/relationships" xmlns:p="http://schemas.openxmlformats.org/presentationml/2006/main">
   <p:cSld>
     <p:spTree>
@@ -34798,7 +35820,7 @@
           <a:lstStyle/>
           <a:p>
             <a:r>
-              <a:rPr lang="en-US"/>
+              <a:rPr lang="en-US" dirty="0"/>
               <a:t>Just in Time (JIT) Network Access </a:t>
             </a:r>
           </a:p>
@@ -35101,7 +36123,7 @@
 </p:sld>
 </file>
 
-<file path=ppt/slides/slide34.xml><?xml version="1.0" encoding="utf-8"?>
+<file path=ppt/slides/slide38.xml><?xml version="1.0" encoding="utf-8"?>
 <p:sld xmlns:a="http://schemas.openxmlformats.org/drawingml/2006/main" xmlns:r="http://schemas.openxmlformats.org/officeDocument/2006/relationships" xmlns:p="http://schemas.openxmlformats.org/presentationml/2006/main">
   <p:cSld>
     <p:spTree>
@@ -35201,7 +36223,7 @@
 </p:sld>
 </file>
 
-<file path=ppt/slides/slide35.xml><?xml version="1.0" encoding="utf-8"?>
+<file path=ppt/slides/slide39.xml><?xml version="1.0" encoding="utf-8"?>
 <p:sld xmlns:a="http://schemas.openxmlformats.org/drawingml/2006/main" xmlns:r="http://schemas.openxmlformats.org/officeDocument/2006/relationships" xmlns:p="http://schemas.openxmlformats.org/presentationml/2006/main">
   <p:cSld>
     <p:spTree>
@@ -35420,7 +36442,242 @@
 </p:sld>
 </file>
 
-<file path=ppt/slides/slide36.xml><?xml version="1.0" encoding="utf-8"?>
+<file path=ppt/slides/slide4.xml><?xml version="1.0" encoding="utf-8"?>
+<p:sld xmlns:a="http://schemas.openxmlformats.org/drawingml/2006/main" xmlns:r="http://schemas.openxmlformats.org/officeDocument/2006/relationships" xmlns:p="http://schemas.openxmlformats.org/presentationml/2006/main">
+  <p:cSld>
+    <p:spTree>
+      <p:nvGrpSpPr>
+        <p:cNvPr id="1" name=""/>
+        <p:cNvGrpSpPr/>
+        <p:nvPr/>
+      </p:nvGrpSpPr>
+      <p:grpSpPr>
+        <a:xfrm>
+          <a:off x="0" y="0"/>
+          <a:ext cx="0" cy="0"/>
+          <a:chOff x="0" y="0"/>
+          <a:chExt cx="0" cy="0"/>
+        </a:xfrm>
+      </p:grpSpPr>
+      <p:sp>
+        <p:nvSpPr>
+          <p:cNvPr id="5" name="Title 4">
+            <a:extLst>
+              <a:ext uri="{FF2B5EF4-FFF2-40B4-BE49-F238E27FC236}">
+                <a16:creationId xmlns:a16="http://schemas.microsoft.com/office/drawing/2014/main" id="{007C2C26-EFD2-E847-AEA7-5CEF245E0904}"/>
+              </a:ext>
+            </a:extLst>
+          </p:cNvPr>
+          <p:cNvSpPr>
+            <a:spLocks noGrp="1"/>
+          </p:cNvSpPr>
+          <p:nvPr>
+            <p:ph type="title"/>
+          </p:nvPr>
+        </p:nvSpPr>
+        <p:spPr/>
+        <p:txBody>
+          <a:bodyPr/>
+          <a:lstStyle/>
+          <a:p>
+            <a:r>
+              <a:rPr lang="en-US" altLang="zh-CN"/>
+              <a:t>Recommend a network architecture solution based on workload requirements </a:t>
+            </a:r>
+            <a:endParaRPr lang="en-US"/>
+          </a:p>
+        </p:txBody>
+      </p:sp>
+      <p:grpSp>
+        <p:nvGrpSpPr>
+          <p:cNvPr id="4" name="Group 3" descr="Icon of three concentric arcs">
+            <a:extLst>
+              <a:ext uri="{FF2B5EF4-FFF2-40B4-BE49-F238E27FC236}">
+                <a16:creationId xmlns:a16="http://schemas.microsoft.com/office/drawing/2014/main" id="{82D47CB5-8276-4D55-9F88-3DBB5779B493}"/>
+              </a:ext>
+            </a:extLst>
+          </p:cNvPr>
+          <p:cNvGrpSpPr/>
+          <p:nvPr/>
+        </p:nvGrpSpPr>
+        <p:grpSpPr>
+          <a:xfrm>
+            <a:off x="10121624" y="2788200"/>
+            <a:ext cx="1281600" cy="1281600"/>
+            <a:chOff x="3031669" y="1620003"/>
+            <a:chExt cx="702132" cy="702231"/>
+          </a:xfrm>
+        </p:grpSpPr>
+        <p:grpSp>
+          <p:nvGrpSpPr>
+            <p:cNvPr id="6" name="Group 5">
+              <a:extLst>
+                <a:ext uri="{FF2B5EF4-FFF2-40B4-BE49-F238E27FC236}">
+                  <a16:creationId xmlns:a16="http://schemas.microsoft.com/office/drawing/2014/main" id="{E85878AD-6EBD-4B7E-A4C2-F2DCEC2752E8}"/>
+                </a:ext>
+                <a:ext uri="{C183D7F6-B498-43B3-948B-1728B52AA6E4}">
+                  <adec:decorative xmlns:adec="http://schemas.microsoft.com/office/drawing/2017/decorative" val="1"/>
+                </a:ext>
+              </a:extLst>
+            </p:cNvPr>
+            <p:cNvGrpSpPr/>
+            <p:nvPr/>
+          </p:nvGrpSpPr>
+          <p:grpSpPr>
+            <a:xfrm>
+              <a:off x="3031669" y="1620003"/>
+              <a:ext cx="702132" cy="702231"/>
+              <a:chOff x="7962901" y="3032919"/>
+              <a:chExt cx="981074" cy="981076"/>
+            </a:xfrm>
+          </p:grpSpPr>
+          <p:sp>
+            <p:nvSpPr>
+              <p:cNvPr id="8" name="Freeform 5">
+                <a:extLst>
+                  <a:ext uri="{FF2B5EF4-FFF2-40B4-BE49-F238E27FC236}">
+                    <a16:creationId xmlns:a16="http://schemas.microsoft.com/office/drawing/2014/main" id="{6E7E1E5A-1ABE-4BA7-8866-8A98A1C559E2}"/>
+                  </a:ext>
+                </a:extLst>
+              </p:cNvPr>
+              <p:cNvSpPr>
+                <a:spLocks/>
+              </p:cNvSpPr>
+              <p:nvPr/>
+            </p:nvSpPr>
+            <p:spPr bwMode="auto">
+              <a:xfrm>
+                <a:off x="7962901" y="3032919"/>
+                <a:ext cx="981074" cy="981076"/>
+              </a:xfrm>
+              <a:prstGeom prst="ellipse">
+                <a:avLst/>
+              </a:prstGeom>
+              <a:solidFill>
+                <a:srgbClr val="F2F2F2"/>
+              </a:solidFill>
+              <a:ln>
+                <a:noFill/>
+              </a:ln>
+              <a:extLst>
+                <a:ext uri="{91240B29-F687-4F45-9708-019B960494DF}">
+                  <a14:hiddenLine xmlns:a14="http://schemas.microsoft.com/office/drawing/2010/main" w="9525">
+                    <a:solidFill>
+                      <a:srgbClr val="000000"/>
+                    </a:solidFill>
+                    <a:round/>
+                    <a:headEnd/>
+                    <a:tailEnd/>
+                  </a14:hiddenLine>
+                </a:ext>
+              </a:extLst>
+            </p:spPr>
+            <p:txBody>
+              <a:bodyPr vert="horz" wrap="square" lIns="91440" tIns="45720" rIns="91440" bIns="45720" numCol="1" anchor="t" anchorCtr="0" compatLnSpc="1">
+                <a:prstTxWarp prst="textNoShape">
+                  <a:avLst/>
+                </a:prstTxWarp>
+              </a:bodyPr>
+              <a:lstStyle/>
+              <a:p>
+                <a:endParaRPr lang="en-US" sz="1730"/>
+              </a:p>
+            </p:txBody>
+          </p:sp>
+          <p:sp>
+            <p:nvSpPr>
+              <p:cNvPr id="9" name="Freeform 6">
+                <a:extLst>
+                  <a:ext uri="{FF2B5EF4-FFF2-40B4-BE49-F238E27FC236}">
+                    <a16:creationId xmlns:a16="http://schemas.microsoft.com/office/drawing/2014/main" id="{C291DCA2-B16B-4C35-A3DF-A92C8F823E00}"/>
+                  </a:ext>
+                </a:extLst>
+              </p:cNvPr>
+              <p:cNvSpPr>
+                <a:spLocks noEditPoints="1"/>
+              </p:cNvSpPr>
+              <p:nvPr/>
+            </p:nvSpPr>
+            <p:spPr bwMode="auto">
+              <a:xfrm>
+                <a:off x="8031163" y="3102770"/>
+                <a:ext cx="846137" cy="844550"/>
+              </a:xfrm>
+              <a:prstGeom prst="ellipse">
+                <a:avLst/>
+              </a:prstGeom>
+              <a:noFill/>
+              <a:ln w="19050">
+                <a:solidFill>
+                  <a:schemeClr val="tx2"/>
+                </a:solidFill>
+                <a:prstDash val="sysDot"/>
+                <a:round/>
+                <a:headEnd/>
+                <a:tailEnd/>
+              </a:ln>
+            </p:spPr>
+            <p:txBody>
+              <a:bodyPr vert="horz" wrap="square" lIns="91440" tIns="45720" rIns="91440" bIns="45720" numCol="1" anchor="t" anchorCtr="0" compatLnSpc="1">
+                <a:prstTxWarp prst="textNoShape">
+                  <a:avLst/>
+                </a:prstTxWarp>
+              </a:bodyPr>
+              <a:lstStyle/>
+              <a:p>
+                <a:endParaRPr lang="en-US" sz="1730"/>
+              </a:p>
+            </p:txBody>
+          </p:sp>
+        </p:grpSp>
+        <p:pic>
+          <p:nvPicPr>
+            <p:cNvPr id="7" name="Picture 6" descr="Icon of three concentric arcs">
+              <a:extLst>
+                <a:ext uri="{FF2B5EF4-FFF2-40B4-BE49-F238E27FC236}">
+                  <a16:creationId xmlns:a16="http://schemas.microsoft.com/office/drawing/2014/main" id="{89F5A1D1-E136-4161-A59E-AA14F6617B82}"/>
+                </a:ext>
+              </a:extLst>
+            </p:cNvPr>
+            <p:cNvPicPr>
+              <a:picLocks noChangeAspect="1"/>
+            </p:cNvPicPr>
+            <p:nvPr/>
+          </p:nvPicPr>
+          <p:blipFill>
+            <a:blip r:embed="rId3"/>
+            <a:stretch>
+              <a:fillRect/>
+            </a:stretch>
+          </p:blipFill>
+          <p:spPr>
+            <a:xfrm>
+              <a:off x="3196572" y="1784956"/>
+              <a:ext cx="372325" cy="372325"/>
+            </a:xfrm>
+            <a:prstGeom prst="rect">
+              <a:avLst/>
+            </a:prstGeom>
+          </p:spPr>
+        </p:pic>
+      </p:grpSp>
+    </p:spTree>
+    <p:extLst>
+      <p:ext uri="{BB962C8B-B14F-4D97-AF65-F5344CB8AC3E}">
+        <p14:creationId xmlns:p14="http://schemas.microsoft.com/office/powerpoint/2010/main" val="2281750522"/>
+      </p:ext>
+    </p:extLst>
+  </p:cSld>
+  <p:clrMapOvr>
+    <a:masterClrMapping/>
+  </p:clrMapOvr>
+  <p:transition>
+    <p:fade/>
+  </p:transition>
+</p:sld>
+</file>
+
+<file path=ppt/slides/slide40.xml><?xml version="1.0" encoding="utf-8"?>
 <p:sld xmlns:a="http://schemas.openxmlformats.org/drawingml/2006/main" xmlns:r="http://schemas.openxmlformats.org/officeDocument/2006/relationships" xmlns:p="http://schemas.openxmlformats.org/presentationml/2006/main">
   <p:cSld>
     <p:spTree>
@@ -38536,7 +39793,7 @@
 </p:sld>
 </file>
 
-<file path=ppt/slides/slide37.xml><?xml version="1.0" encoding="utf-8"?>
+<file path=ppt/slides/slide41.xml><?xml version="1.0" encoding="utf-8"?>
 <p:sld xmlns:a="http://schemas.openxmlformats.org/drawingml/2006/main" xmlns:r="http://schemas.openxmlformats.org/officeDocument/2006/relationships" xmlns:p="http://schemas.openxmlformats.org/presentationml/2006/main">
   <p:cSld>
     <p:spTree>
@@ -42321,7 +43578,7 @@
 </p:sld>
 </file>
 
-<file path=ppt/slides/slide38.xml><?xml version="1.0" encoding="utf-8"?>
+<file path=ppt/slides/slide42.xml><?xml version="1.0" encoding="utf-8"?>
 <p:sld xmlns:a="http://schemas.openxmlformats.org/drawingml/2006/main" xmlns:r="http://schemas.openxmlformats.org/officeDocument/2006/relationships" xmlns:p="http://schemas.openxmlformats.org/presentationml/2006/main">
   <p:cSld>
     <p:spTree>
@@ -43100,7 +44357,7 @@
 </p:sld>
 </file>
 
-<file path=ppt/slides/slide39.xml><?xml version="1.0" encoding="utf-8"?>
+<file path=ppt/slides/slide43.xml><?xml version="1.0" encoding="utf-8"?>
 <p:sld xmlns:a="http://schemas.openxmlformats.org/drawingml/2006/main" xmlns:r="http://schemas.openxmlformats.org/officeDocument/2006/relationships" xmlns:p="http://schemas.openxmlformats.org/presentationml/2006/main">
   <p:cSld>
     <p:spTree>
@@ -43194,242 +44451,7 @@
 </p:sld>
 </file>
 
-<file path=ppt/slides/slide4.xml><?xml version="1.0" encoding="utf-8"?>
-<p:sld xmlns:a="http://schemas.openxmlformats.org/drawingml/2006/main" xmlns:r="http://schemas.openxmlformats.org/officeDocument/2006/relationships" xmlns:p="http://schemas.openxmlformats.org/presentationml/2006/main">
-  <p:cSld>
-    <p:spTree>
-      <p:nvGrpSpPr>
-        <p:cNvPr id="1" name=""/>
-        <p:cNvGrpSpPr/>
-        <p:nvPr/>
-      </p:nvGrpSpPr>
-      <p:grpSpPr>
-        <a:xfrm>
-          <a:off x="0" y="0"/>
-          <a:ext cx="0" cy="0"/>
-          <a:chOff x="0" y="0"/>
-          <a:chExt cx="0" cy="0"/>
-        </a:xfrm>
-      </p:grpSpPr>
-      <p:sp>
-        <p:nvSpPr>
-          <p:cNvPr id="5" name="Title 4">
-            <a:extLst>
-              <a:ext uri="{FF2B5EF4-FFF2-40B4-BE49-F238E27FC236}">
-                <a16:creationId xmlns:a16="http://schemas.microsoft.com/office/drawing/2014/main" id="{007C2C26-EFD2-E847-AEA7-5CEF245E0904}"/>
-              </a:ext>
-            </a:extLst>
-          </p:cNvPr>
-          <p:cNvSpPr>
-            <a:spLocks noGrp="1"/>
-          </p:cNvSpPr>
-          <p:nvPr>
-            <p:ph type="title"/>
-          </p:nvPr>
-        </p:nvSpPr>
-        <p:spPr/>
-        <p:txBody>
-          <a:bodyPr/>
-          <a:lstStyle/>
-          <a:p>
-            <a:r>
-              <a:rPr lang="en-US" altLang="zh-CN"/>
-              <a:t>Recommend a network architecture solution based on workload requirements </a:t>
-            </a:r>
-            <a:endParaRPr lang="en-US"/>
-          </a:p>
-        </p:txBody>
-      </p:sp>
-      <p:grpSp>
-        <p:nvGrpSpPr>
-          <p:cNvPr id="4" name="Group 3" descr="Icon of three concentric arcs">
-            <a:extLst>
-              <a:ext uri="{FF2B5EF4-FFF2-40B4-BE49-F238E27FC236}">
-                <a16:creationId xmlns:a16="http://schemas.microsoft.com/office/drawing/2014/main" id="{82D47CB5-8276-4D55-9F88-3DBB5779B493}"/>
-              </a:ext>
-            </a:extLst>
-          </p:cNvPr>
-          <p:cNvGrpSpPr/>
-          <p:nvPr/>
-        </p:nvGrpSpPr>
-        <p:grpSpPr>
-          <a:xfrm>
-            <a:off x="10121624" y="2788200"/>
-            <a:ext cx="1281600" cy="1281600"/>
-            <a:chOff x="3031669" y="1620003"/>
-            <a:chExt cx="702132" cy="702231"/>
-          </a:xfrm>
-        </p:grpSpPr>
-        <p:grpSp>
-          <p:nvGrpSpPr>
-            <p:cNvPr id="6" name="Group 5">
-              <a:extLst>
-                <a:ext uri="{FF2B5EF4-FFF2-40B4-BE49-F238E27FC236}">
-                  <a16:creationId xmlns:a16="http://schemas.microsoft.com/office/drawing/2014/main" id="{E85878AD-6EBD-4B7E-A4C2-F2DCEC2752E8}"/>
-                </a:ext>
-                <a:ext uri="{C183D7F6-B498-43B3-948B-1728B52AA6E4}">
-                  <adec:decorative xmlns:adec="http://schemas.microsoft.com/office/drawing/2017/decorative" val="1"/>
-                </a:ext>
-              </a:extLst>
-            </p:cNvPr>
-            <p:cNvGrpSpPr/>
-            <p:nvPr/>
-          </p:nvGrpSpPr>
-          <p:grpSpPr>
-            <a:xfrm>
-              <a:off x="3031669" y="1620003"/>
-              <a:ext cx="702132" cy="702231"/>
-              <a:chOff x="7962901" y="3032919"/>
-              <a:chExt cx="981074" cy="981076"/>
-            </a:xfrm>
-          </p:grpSpPr>
-          <p:sp>
-            <p:nvSpPr>
-              <p:cNvPr id="8" name="Freeform 5">
-                <a:extLst>
-                  <a:ext uri="{FF2B5EF4-FFF2-40B4-BE49-F238E27FC236}">
-                    <a16:creationId xmlns:a16="http://schemas.microsoft.com/office/drawing/2014/main" id="{6E7E1E5A-1ABE-4BA7-8866-8A98A1C559E2}"/>
-                  </a:ext>
-                </a:extLst>
-              </p:cNvPr>
-              <p:cNvSpPr>
-                <a:spLocks/>
-              </p:cNvSpPr>
-              <p:nvPr/>
-            </p:nvSpPr>
-            <p:spPr bwMode="auto">
-              <a:xfrm>
-                <a:off x="7962901" y="3032919"/>
-                <a:ext cx="981074" cy="981076"/>
-              </a:xfrm>
-              <a:prstGeom prst="ellipse">
-                <a:avLst/>
-              </a:prstGeom>
-              <a:solidFill>
-                <a:srgbClr val="F2F2F2"/>
-              </a:solidFill>
-              <a:ln>
-                <a:noFill/>
-              </a:ln>
-              <a:extLst>
-                <a:ext uri="{91240B29-F687-4F45-9708-019B960494DF}">
-                  <a14:hiddenLine xmlns:a14="http://schemas.microsoft.com/office/drawing/2010/main" w="9525">
-                    <a:solidFill>
-                      <a:srgbClr val="000000"/>
-                    </a:solidFill>
-                    <a:round/>
-                    <a:headEnd/>
-                    <a:tailEnd/>
-                  </a14:hiddenLine>
-                </a:ext>
-              </a:extLst>
-            </p:spPr>
-            <p:txBody>
-              <a:bodyPr vert="horz" wrap="square" lIns="91440" tIns="45720" rIns="91440" bIns="45720" numCol="1" anchor="t" anchorCtr="0" compatLnSpc="1">
-                <a:prstTxWarp prst="textNoShape">
-                  <a:avLst/>
-                </a:prstTxWarp>
-              </a:bodyPr>
-              <a:lstStyle/>
-              <a:p>
-                <a:endParaRPr lang="en-US" sz="1730"/>
-              </a:p>
-            </p:txBody>
-          </p:sp>
-          <p:sp>
-            <p:nvSpPr>
-              <p:cNvPr id="9" name="Freeform 6">
-                <a:extLst>
-                  <a:ext uri="{FF2B5EF4-FFF2-40B4-BE49-F238E27FC236}">
-                    <a16:creationId xmlns:a16="http://schemas.microsoft.com/office/drawing/2014/main" id="{C291DCA2-B16B-4C35-A3DF-A92C8F823E00}"/>
-                  </a:ext>
-                </a:extLst>
-              </p:cNvPr>
-              <p:cNvSpPr>
-                <a:spLocks noEditPoints="1"/>
-              </p:cNvSpPr>
-              <p:nvPr/>
-            </p:nvSpPr>
-            <p:spPr bwMode="auto">
-              <a:xfrm>
-                <a:off x="8031163" y="3102770"/>
-                <a:ext cx="846137" cy="844550"/>
-              </a:xfrm>
-              <a:prstGeom prst="ellipse">
-                <a:avLst/>
-              </a:prstGeom>
-              <a:noFill/>
-              <a:ln w="19050">
-                <a:solidFill>
-                  <a:schemeClr val="tx2"/>
-                </a:solidFill>
-                <a:prstDash val="sysDot"/>
-                <a:round/>
-                <a:headEnd/>
-                <a:tailEnd/>
-              </a:ln>
-            </p:spPr>
-            <p:txBody>
-              <a:bodyPr vert="horz" wrap="square" lIns="91440" tIns="45720" rIns="91440" bIns="45720" numCol="1" anchor="t" anchorCtr="0" compatLnSpc="1">
-                <a:prstTxWarp prst="textNoShape">
-                  <a:avLst/>
-                </a:prstTxWarp>
-              </a:bodyPr>
-              <a:lstStyle/>
-              <a:p>
-                <a:endParaRPr lang="en-US" sz="1730"/>
-              </a:p>
-            </p:txBody>
-          </p:sp>
-        </p:grpSp>
-        <p:pic>
-          <p:nvPicPr>
-            <p:cNvPr id="7" name="Picture 6" descr="Icon of three concentric arcs">
-              <a:extLst>
-                <a:ext uri="{FF2B5EF4-FFF2-40B4-BE49-F238E27FC236}">
-                  <a16:creationId xmlns:a16="http://schemas.microsoft.com/office/drawing/2014/main" id="{89F5A1D1-E136-4161-A59E-AA14F6617B82}"/>
-                </a:ext>
-              </a:extLst>
-            </p:cNvPr>
-            <p:cNvPicPr>
-              <a:picLocks noChangeAspect="1"/>
-            </p:cNvPicPr>
-            <p:nvPr/>
-          </p:nvPicPr>
-          <p:blipFill>
-            <a:blip r:embed="rId3"/>
-            <a:stretch>
-              <a:fillRect/>
-            </a:stretch>
-          </p:blipFill>
-          <p:spPr>
-            <a:xfrm>
-              <a:off x="3196572" y="1784956"/>
-              <a:ext cx="372325" cy="372325"/>
-            </a:xfrm>
-            <a:prstGeom prst="rect">
-              <a:avLst/>
-            </a:prstGeom>
-          </p:spPr>
-        </p:pic>
-      </p:grpSp>
-    </p:spTree>
-    <p:extLst>
-      <p:ext uri="{BB962C8B-B14F-4D97-AF65-F5344CB8AC3E}">
-        <p14:creationId xmlns:p14="http://schemas.microsoft.com/office/powerpoint/2010/main" val="2281750522"/>
-      </p:ext>
-    </p:extLst>
-  </p:cSld>
-  <p:clrMapOvr>
-    <a:masterClrMapping/>
-  </p:clrMapOvr>
-  <p:transition>
-    <p:fade/>
-  </p:transition>
-</p:sld>
-</file>
-
-<file path=ppt/slides/slide40.xml><?xml version="1.0" encoding="utf-8"?>
+<file path=ppt/slides/slide44.xml><?xml version="1.0" encoding="utf-8"?>
 <p:sld xmlns:a="http://schemas.openxmlformats.org/drawingml/2006/main" xmlns:r="http://schemas.openxmlformats.org/officeDocument/2006/relationships" xmlns:p="http://schemas.openxmlformats.org/presentationml/2006/main" show="0">
   <p:cSld>
     <p:spTree>
@@ -43647,7 +44669,7 @@
 </p:sld>
 </file>
 
-<file path=ppt/slides/slide41.xml><?xml version="1.0" encoding="utf-8"?>
+<file path=ppt/slides/slide45.xml><?xml version="1.0" encoding="utf-8"?>
 <p:sld xmlns:a="http://schemas.openxmlformats.org/drawingml/2006/main" xmlns:r="http://schemas.openxmlformats.org/officeDocument/2006/relationships" xmlns:p="http://schemas.openxmlformats.org/presentationml/2006/main" show="0">
   <p:cSld>
     <p:spTree>
